--- a/_site/docs/TextClustering.pptx
+++ b/_site/docs/TextClustering.pptx
@@ -227,7 +227,7 @@
           <a:p>
             <a:fld id="{66D9E24F-29FD-47C1-8E5F-039692CFCF72}" type="datetimeFigureOut">
               <a:rPr lang="en-US" smtClean="0"/>
-              <a:t>4/14/2015</a:t>
+              <a:t>4/15/2015</a:t>
             </a:fld>
             <a:endParaRPr lang="en-US"/>
           </a:p>
@@ -3766,6 +3766,13 @@
   <p:clrMapOvr>
     <a:masterClrMapping/>
   </p:clrMapOvr>
+  <p:timing>
+    <p:tnLst>
+      <p:par>
+        <p:cTn id="1" dur="indefinite" restart="never" nodeType="tmRoot"/>
+      </p:par>
+    </p:tnLst>
+  </p:timing>
 </p:sld>
 </file>
 
@@ -3930,8 +3937,8 @@
         </p:blipFill>
         <p:spPr bwMode="auto">
           <a:xfrm>
-            <a:off x="793045" y="2991108"/>
-            <a:ext cx="7557909" cy="3011490"/>
+            <a:off x="551973" y="2856167"/>
+            <a:ext cx="8326203" cy="3317621"/>
           </a:xfrm>
           <a:prstGeom prst="rect">
             <a:avLst/>
@@ -3999,9 +4006,80 @@
   <p:timing>
     <p:tnLst>
       <p:par>
-        <p:cTn id="1" dur="indefinite" restart="never" nodeType="tmRoot"/>
+        <p:cTn id="1" dur="indefinite" restart="never" nodeType="tmRoot">
+          <p:childTnLst>
+            <p:seq concurrent="1" nextAc="seek">
+              <p:cTn id="2" dur="indefinite" nodeType="mainSeq">
+                <p:childTnLst>
+                  <p:par>
+                    <p:cTn id="3" fill="hold">
+                      <p:stCondLst>
+                        <p:cond delay="indefinite"/>
+                      </p:stCondLst>
+                      <p:childTnLst>
+                        <p:par>
+                          <p:cTn id="4" fill="hold">
+                            <p:stCondLst>
+                              <p:cond delay="0"/>
+                            </p:stCondLst>
+                            <p:childTnLst>
+                              <p:par>
+                                <p:cTn id="5" presetID="1" presetClass="entr" presetSubtype="0" fill="hold" grpId="0" nodeType="clickEffect">
+                                  <p:stCondLst>
+                                    <p:cond delay="0"/>
+                                  </p:stCondLst>
+                                  <p:childTnLst>
+                                    <p:set>
+                                      <p:cBhvr>
+                                        <p:cTn id="6" dur="1" fill="hold">
+                                          <p:stCondLst>
+                                            <p:cond delay="0"/>
+                                          </p:stCondLst>
+                                        </p:cTn>
+                                        <p:tgtEl>
+                                          <p:spTgt spid="8"/>
+                                        </p:tgtEl>
+                                        <p:attrNameLst>
+                                          <p:attrName>style.visibility</p:attrName>
+                                        </p:attrNameLst>
+                                      </p:cBhvr>
+                                      <p:to>
+                                        <p:strVal val="visible"/>
+                                      </p:to>
+                                    </p:set>
+                                  </p:childTnLst>
+                                </p:cTn>
+                              </p:par>
+                            </p:childTnLst>
+                          </p:cTn>
+                        </p:par>
+                      </p:childTnLst>
+                    </p:cTn>
+                  </p:par>
+                </p:childTnLst>
+              </p:cTn>
+              <p:prevCondLst>
+                <p:cond evt="onPrev" delay="0">
+                  <p:tgtEl>
+                    <p:sldTgt/>
+                  </p:tgtEl>
+                </p:cond>
+              </p:prevCondLst>
+              <p:nextCondLst>
+                <p:cond evt="onNext" delay="0">
+                  <p:tgtEl>
+                    <p:sldTgt/>
+                  </p:tgtEl>
+                </p:cond>
+              </p:nextCondLst>
+            </p:seq>
+          </p:childTnLst>
+        </p:cTn>
       </p:par>
     </p:tnLst>
+    <p:bldLst>
+      <p:bldP spid="8" grpId="0"/>
+    </p:bldLst>
   </p:timing>
 </p:sld>
 </file>
@@ -4984,7 +5062,7 @@
                 <a:pPr lvl="2"/>
                 <a:r>
                   <a:rPr lang="en-US" dirty="0" smtClean="0"/>
-                  <a:t>When </a:t>
+                  <a:t>when </a:t>
                 </a:r>
                 <a14:m>
                   <m:oMath xmlns:m="http://schemas.openxmlformats.org/officeDocument/2006/math">
@@ -5384,7 +5462,204 @@
   <p:timing>
     <p:tnLst>
       <p:par>
-        <p:cTn id="1" dur="indefinite" restart="never" nodeType="tmRoot"/>
+        <p:cTn id="1" dur="indefinite" restart="never" nodeType="tmRoot">
+          <p:childTnLst>
+            <p:seq concurrent="1" nextAc="seek">
+              <p:cTn id="2" dur="indefinite" nodeType="mainSeq">
+                <p:childTnLst>
+                  <p:par>
+                    <p:cTn id="3" fill="hold">
+                      <p:stCondLst>
+                        <p:cond delay="indefinite"/>
+                      </p:stCondLst>
+                      <p:childTnLst>
+                        <p:par>
+                          <p:cTn id="4" fill="hold">
+                            <p:stCondLst>
+                              <p:cond delay="0"/>
+                            </p:stCondLst>
+                            <p:childTnLst>
+                              <p:par>
+                                <p:cTn id="5" presetID="1" presetClass="entr" presetSubtype="0" fill="hold" nodeType="clickEffect">
+                                  <p:stCondLst>
+                                    <p:cond delay="0"/>
+                                  </p:stCondLst>
+                                  <p:childTnLst>
+                                    <p:set>
+                                      <p:cBhvr>
+                                        <p:cTn id="6" dur="1" fill="hold">
+                                          <p:stCondLst>
+                                            <p:cond delay="0"/>
+                                          </p:stCondLst>
+                                        </p:cTn>
+                                        <p:tgtEl>
+                                          <p:spTgt spid="3">
+                                            <p:txEl>
+                                              <p:pRg st="3" end="3"/>
+                                            </p:txEl>
+                                          </p:spTgt>
+                                        </p:tgtEl>
+                                        <p:attrNameLst>
+                                          <p:attrName>style.visibility</p:attrName>
+                                        </p:attrNameLst>
+                                      </p:cBhvr>
+                                      <p:to>
+                                        <p:strVal val="visible"/>
+                                      </p:to>
+                                    </p:set>
+                                  </p:childTnLst>
+                                </p:cTn>
+                              </p:par>
+                              <p:par>
+                                <p:cTn id="7" presetID="1" presetClass="entr" presetSubtype="0" fill="hold" nodeType="withEffect">
+                                  <p:stCondLst>
+                                    <p:cond delay="0"/>
+                                  </p:stCondLst>
+                                  <p:childTnLst>
+                                    <p:set>
+                                      <p:cBhvr>
+                                        <p:cTn id="8" dur="1" fill="hold">
+                                          <p:stCondLst>
+                                            <p:cond delay="0"/>
+                                          </p:stCondLst>
+                                        </p:cTn>
+                                        <p:tgtEl>
+                                          <p:spTgt spid="3">
+                                            <p:txEl>
+                                              <p:pRg st="4" end="4"/>
+                                            </p:txEl>
+                                          </p:spTgt>
+                                        </p:tgtEl>
+                                        <p:attrNameLst>
+                                          <p:attrName>style.visibility</p:attrName>
+                                        </p:attrNameLst>
+                                      </p:cBhvr>
+                                      <p:to>
+                                        <p:strVal val="visible"/>
+                                      </p:to>
+                                    </p:set>
+                                  </p:childTnLst>
+                                </p:cTn>
+                              </p:par>
+                            </p:childTnLst>
+                          </p:cTn>
+                        </p:par>
+                      </p:childTnLst>
+                    </p:cTn>
+                  </p:par>
+                  <p:par>
+                    <p:cTn id="9" fill="hold">
+                      <p:stCondLst>
+                        <p:cond delay="indefinite"/>
+                      </p:stCondLst>
+                      <p:childTnLst>
+                        <p:par>
+                          <p:cTn id="10" fill="hold">
+                            <p:stCondLst>
+                              <p:cond delay="0"/>
+                            </p:stCondLst>
+                            <p:childTnLst>
+                              <p:par>
+                                <p:cTn id="11" presetID="1" presetClass="entr" presetSubtype="0" fill="hold" nodeType="clickEffect">
+                                  <p:stCondLst>
+                                    <p:cond delay="0"/>
+                                  </p:stCondLst>
+                                  <p:childTnLst>
+                                    <p:set>
+                                      <p:cBhvr>
+                                        <p:cTn id="12" dur="1" fill="hold">
+                                          <p:stCondLst>
+                                            <p:cond delay="0"/>
+                                          </p:stCondLst>
+                                        </p:cTn>
+                                        <p:tgtEl>
+                                          <p:spTgt spid="3">
+                                            <p:txEl>
+                                              <p:pRg st="5" end="5"/>
+                                            </p:txEl>
+                                          </p:spTgt>
+                                        </p:tgtEl>
+                                        <p:attrNameLst>
+                                          <p:attrName>style.visibility</p:attrName>
+                                        </p:attrNameLst>
+                                      </p:cBhvr>
+                                      <p:to>
+                                        <p:strVal val="visible"/>
+                                      </p:to>
+                                    </p:set>
+                                  </p:childTnLst>
+                                </p:cTn>
+                              </p:par>
+                            </p:childTnLst>
+                          </p:cTn>
+                        </p:par>
+                      </p:childTnLst>
+                    </p:cTn>
+                  </p:par>
+                  <p:par>
+                    <p:cTn id="13" fill="hold">
+                      <p:stCondLst>
+                        <p:cond delay="indefinite"/>
+                      </p:stCondLst>
+                      <p:childTnLst>
+                        <p:par>
+                          <p:cTn id="14" fill="hold">
+                            <p:stCondLst>
+                              <p:cond delay="0"/>
+                            </p:stCondLst>
+                            <p:childTnLst>
+                              <p:par>
+                                <p:cTn id="15" presetID="1" presetClass="entr" presetSubtype="0" fill="hold" nodeType="clickEffect">
+                                  <p:stCondLst>
+                                    <p:cond delay="0"/>
+                                  </p:stCondLst>
+                                  <p:childTnLst>
+                                    <p:set>
+                                      <p:cBhvr>
+                                        <p:cTn id="16" dur="1" fill="hold">
+                                          <p:stCondLst>
+                                            <p:cond delay="0"/>
+                                          </p:stCondLst>
+                                        </p:cTn>
+                                        <p:tgtEl>
+                                          <p:spTgt spid="12"/>
+                                        </p:tgtEl>
+                                        <p:attrNameLst>
+                                          <p:attrName>style.visibility</p:attrName>
+                                        </p:attrNameLst>
+                                      </p:cBhvr>
+                                      <p:to>
+                                        <p:strVal val="visible"/>
+                                      </p:to>
+                                    </p:set>
+                                  </p:childTnLst>
+                                </p:cTn>
+                              </p:par>
+                            </p:childTnLst>
+                          </p:cTn>
+                        </p:par>
+                      </p:childTnLst>
+                    </p:cTn>
+                  </p:par>
+                </p:childTnLst>
+              </p:cTn>
+              <p:prevCondLst>
+                <p:cond evt="onPrev" delay="0">
+                  <p:tgtEl>
+                    <p:sldTgt/>
+                  </p:tgtEl>
+                </p:cond>
+              </p:prevCondLst>
+              <p:nextCondLst>
+                <p:cond evt="onNext" delay="0">
+                  <p:tgtEl>
+                    <p:sldTgt/>
+                  </p:tgtEl>
+                </p:cond>
+              </p:nextCondLst>
+            </p:seq>
+          </p:childTnLst>
+        </p:cTn>
       </p:par>
     </p:tnLst>
   </p:timing>
@@ -5686,6 +5961,81 @@
   <p:clrMapOvr>
     <a:masterClrMapping/>
   </p:clrMapOvr>
+  <p:timing>
+    <p:tnLst>
+      <p:par>
+        <p:cTn id="1" dur="indefinite" restart="never" nodeType="tmRoot">
+          <p:childTnLst>
+            <p:seq concurrent="1" nextAc="seek">
+              <p:cTn id="2" dur="indefinite" nodeType="mainSeq">
+                <p:childTnLst>
+                  <p:par>
+                    <p:cTn id="3" fill="hold">
+                      <p:stCondLst>
+                        <p:cond delay="indefinite"/>
+                      </p:stCondLst>
+                      <p:childTnLst>
+                        <p:par>
+                          <p:cTn id="4" fill="hold">
+                            <p:stCondLst>
+                              <p:cond delay="0"/>
+                            </p:stCondLst>
+                            <p:childTnLst>
+                              <p:par>
+                                <p:cTn id="5" presetID="1" presetClass="entr" presetSubtype="0" fill="hold" nodeType="clickEffect">
+                                  <p:stCondLst>
+                                    <p:cond delay="0"/>
+                                  </p:stCondLst>
+                                  <p:childTnLst>
+                                    <p:set>
+                                      <p:cBhvr>
+                                        <p:cTn id="6" dur="1" fill="hold">
+                                          <p:stCondLst>
+                                            <p:cond delay="0"/>
+                                          </p:stCondLst>
+                                        </p:cTn>
+                                        <p:tgtEl>
+                                          <p:spTgt spid="10"/>
+                                        </p:tgtEl>
+                                        <p:attrNameLst>
+                                          <p:attrName>style.visibility</p:attrName>
+                                        </p:attrNameLst>
+                                      </p:cBhvr>
+                                      <p:to>
+                                        <p:strVal val="visible"/>
+                                      </p:to>
+                                    </p:set>
+                                  </p:childTnLst>
+                                </p:cTn>
+                              </p:par>
+                            </p:childTnLst>
+                          </p:cTn>
+                        </p:par>
+                      </p:childTnLst>
+                    </p:cTn>
+                  </p:par>
+                </p:childTnLst>
+              </p:cTn>
+              <p:prevCondLst>
+                <p:cond evt="onPrev" delay="0">
+                  <p:tgtEl>
+                    <p:sldTgt/>
+                  </p:tgtEl>
+                </p:cond>
+              </p:prevCondLst>
+              <p:nextCondLst>
+                <p:cond evt="onNext" delay="0">
+                  <p:tgtEl>
+                    <p:sldTgt/>
+                  </p:tgtEl>
+                </p:cond>
+              </p:nextCondLst>
+            </p:seq>
+          </p:childTnLst>
+        </p:cTn>
+      </p:par>
+    </p:tnLst>
+  </p:timing>
 </p:sld>
 </file>
 
@@ -5895,6 +6245,13 @@
   <p:clrMapOvr>
     <a:masterClrMapping/>
   </p:clrMapOvr>
+  <p:timing>
+    <p:tnLst>
+      <p:par>
+        <p:cTn id="1" dur="indefinite" restart="never" nodeType="tmRoot"/>
+      </p:par>
+    </p:tnLst>
+  </p:timing>
 </p:sld>
 </file>
 
@@ -6332,6 +6689,13 @@
   <p:clrMapOvr>
     <a:masterClrMapping/>
   </p:clrMapOvr>
+  <p:timing>
+    <p:tnLst>
+      <p:par>
+        <p:cTn id="1" dur="indefinite" restart="never" nodeType="tmRoot"/>
+      </p:par>
+    </p:tnLst>
+  </p:timing>
 </p:sld>
 </file>
 
@@ -6550,6 +6914,13 @@
   <p:clrMapOvr>
     <a:masterClrMapping/>
   </p:clrMapOvr>
+  <p:timing>
+    <p:tnLst>
+      <p:par>
+        <p:cTn id="1" dur="indefinite" restart="never" nodeType="tmRoot"/>
+      </p:par>
+    </p:tnLst>
+  </p:timing>
 </p:sld>
 </file>
 
@@ -6790,6 +7161,13 @@
   <p:clrMapOvr>
     <a:masterClrMapping/>
   </p:clrMapOvr>
+  <p:timing>
+    <p:tnLst>
+      <p:par>
+        <p:cTn id="1" dur="indefinite" restart="never" nodeType="tmRoot"/>
+      </p:par>
+    </p:tnLst>
+  </p:timing>
 </p:sld>
 </file>
 
@@ -6857,7 +7235,7 @@
             <a:pPr lvl="1"/>
             <a:r>
               <a:rPr lang="en-US" dirty="0"/>
-              <a:t>Create a hierarchical decomposition of the set of </a:t>
+              <a:t>Create a hierarchical decomposition of </a:t>
             </a:r>
             <a:r>
               <a:rPr lang="en-US" dirty="0" smtClean="0"/>
@@ -7364,7 +7742,7 @@
           </p:nvCxnSpPr>
           <p:spPr>
             <a:xfrm flipV="1">
-              <a:off x="4471839" y="4486954"/>
+              <a:off x="4474220" y="4486954"/>
               <a:ext cx="0" cy="259773"/>
             </a:xfrm>
             <a:prstGeom prst="line">
@@ -7519,7 +7897,7 @@
           </p:nvCxnSpPr>
           <p:spPr>
             <a:xfrm flipV="1">
-              <a:off x="5309996" y="4228047"/>
+              <a:off x="5307615" y="4228047"/>
               <a:ext cx="0" cy="259773"/>
             </a:xfrm>
             <a:prstGeom prst="line">
@@ -7708,6 +8086,13 @@
   <p:clrMapOvr>
     <a:masterClrMapping/>
   </p:clrMapOvr>
+  <p:timing>
+    <p:tnLst>
+      <p:par>
+        <p:cTn id="1" dur="indefinite" restart="never" nodeType="tmRoot"/>
+      </p:par>
+    </p:tnLst>
+  </p:timing>
 </p:sld>
 </file>
 
@@ -8026,11 +8411,7 @@
             <a:pPr lvl="1"/>
             <a:r>
               <a:rPr lang="en-US" dirty="0" smtClean="0"/>
-              <a:t>Problem </a:t>
-            </a:r>
-            <a:r>
-              <a:rPr lang="en-US" dirty="0" smtClean="0"/>
-              <a:t>overview</a:t>
+              <a:t>Problem overview</a:t>
             </a:r>
           </a:p>
           <a:p>
@@ -8046,7 +8427,6 @@
               <a:rPr lang="en-US" dirty="0" smtClean="0"/>
               <a:t>Distance metrics</a:t>
             </a:r>
-            <a:endParaRPr lang="en-US" dirty="0" smtClean="0"/>
           </a:p>
           <a:p>
             <a:pPr lvl="1"/>
@@ -8559,6 +8939,196 @@
   <p:clrMapOvr>
     <a:masterClrMapping/>
   </p:clrMapOvr>
+  <p:timing>
+    <p:tnLst>
+      <p:par>
+        <p:cTn id="1" dur="indefinite" restart="never" nodeType="tmRoot">
+          <p:childTnLst>
+            <p:seq concurrent="1" nextAc="seek">
+              <p:cTn id="2" dur="indefinite" nodeType="mainSeq">
+                <p:childTnLst>
+                  <p:par>
+                    <p:cTn id="3" fill="hold">
+                      <p:stCondLst>
+                        <p:cond delay="indefinite"/>
+                      </p:stCondLst>
+                      <p:childTnLst>
+                        <p:par>
+                          <p:cTn id="4" fill="hold">
+                            <p:stCondLst>
+                              <p:cond delay="0"/>
+                            </p:stCondLst>
+                            <p:childTnLst>
+                              <p:par>
+                                <p:cTn id="5" presetID="1" presetClass="entr" presetSubtype="0" fill="hold" nodeType="clickEffect">
+                                  <p:stCondLst>
+                                    <p:cond delay="0"/>
+                                  </p:stCondLst>
+                                  <p:childTnLst>
+                                    <p:set>
+                                      <p:cBhvr>
+                                        <p:cTn id="6" dur="1" fill="hold">
+                                          <p:stCondLst>
+                                            <p:cond delay="0"/>
+                                          </p:stCondLst>
+                                        </p:cTn>
+                                        <p:tgtEl>
+                                          <p:spTgt spid="3">
+                                            <p:txEl>
+                                              <p:pRg st="2" end="2"/>
+                                            </p:txEl>
+                                          </p:spTgt>
+                                        </p:tgtEl>
+                                        <p:attrNameLst>
+                                          <p:attrName>style.visibility</p:attrName>
+                                        </p:attrNameLst>
+                                      </p:cBhvr>
+                                      <p:to>
+                                        <p:strVal val="visible"/>
+                                      </p:to>
+                                    </p:set>
+                                  </p:childTnLst>
+                                </p:cTn>
+                              </p:par>
+                              <p:par>
+                                <p:cTn id="7" presetID="1" presetClass="entr" presetSubtype="0" fill="hold" nodeType="withEffect">
+                                  <p:stCondLst>
+                                    <p:cond delay="0"/>
+                                  </p:stCondLst>
+                                  <p:childTnLst>
+                                    <p:set>
+                                      <p:cBhvr>
+                                        <p:cTn id="8" dur="1" fill="hold">
+                                          <p:stCondLst>
+                                            <p:cond delay="0"/>
+                                          </p:stCondLst>
+                                        </p:cTn>
+                                        <p:tgtEl>
+                                          <p:spTgt spid="3">
+                                            <p:txEl>
+                                              <p:pRg st="3" end="3"/>
+                                            </p:txEl>
+                                          </p:spTgt>
+                                        </p:tgtEl>
+                                        <p:attrNameLst>
+                                          <p:attrName>style.visibility</p:attrName>
+                                        </p:attrNameLst>
+                                      </p:cBhvr>
+                                      <p:to>
+                                        <p:strVal val="visible"/>
+                                      </p:to>
+                                    </p:set>
+                                  </p:childTnLst>
+                                </p:cTn>
+                              </p:par>
+                              <p:par>
+                                <p:cTn id="9" presetID="1" presetClass="entr" presetSubtype="0" fill="hold" nodeType="withEffect">
+                                  <p:stCondLst>
+                                    <p:cond delay="0"/>
+                                  </p:stCondLst>
+                                  <p:childTnLst>
+                                    <p:set>
+                                      <p:cBhvr>
+                                        <p:cTn id="10" dur="1" fill="hold">
+                                          <p:stCondLst>
+                                            <p:cond delay="0"/>
+                                          </p:stCondLst>
+                                        </p:cTn>
+                                        <p:tgtEl>
+                                          <p:spTgt spid="3">
+                                            <p:txEl>
+                                              <p:pRg st="4" end="4"/>
+                                            </p:txEl>
+                                          </p:spTgt>
+                                        </p:tgtEl>
+                                        <p:attrNameLst>
+                                          <p:attrName>style.visibility</p:attrName>
+                                        </p:attrNameLst>
+                                      </p:cBhvr>
+                                      <p:to>
+                                        <p:strVal val="visible"/>
+                                      </p:to>
+                                    </p:set>
+                                  </p:childTnLst>
+                                </p:cTn>
+                              </p:par>
+                            </p:childTnLst>
+                          </p:cTn>
+                        </p:par>
+                      </p:childTnLst>
+                    </p:cTn>
+                  </p:par>
+                  <p:par>
+                    <p:cTn id="11" fill="hold">
+                      <p:stCondLst>
+                        <p:cond delay="indefinite"/>
+                      </p:stCondLst>
+                      <p:childTnLst>
+                        <p:par>
+                          <p:cTn id="12" fill="hold">
+                            <p:stCondLst>
+                              <p:cond delay="0"/>
+                            </p:stCondLst>
+                            <p:childTnLst>
+                              <p:par>
+                                <p:cTn id="13" presetID="1" presetClass="entr" presetSubtype="0" fill="hold" nodeType="clickEffect">
+                                  <p:stCondLst>
+                                    <p:cond delay="0"/>
+                                  </p:stCondLst>
+                                  <p:childTnLst>
+                                    <p:set>
+                                      <p:cBhvr>
+                                        <p:cTn id="14" dur="1" fill="hold">
+                                          <p:stCondLst>
+                                            <p:cond delay="0"/>
+                                          </p:stCondLst>
+                                        </p:cTn>
+                                        <p:tgtEl>
+                                          <p:spTgt spid="3">
+                                            <p:txEl>
+                                              <p:pRg st="5" end="5"/>
+                                            </p:txEl>
+                                          </p:spTgt>
+                                        </p:tgtEl>
+                                        <p:attrNameLst>
+                                          <p:attrName>style.visibility</p:attrName>
+                                        </p:attrNameLst>
+                                      </p:cBhvr>
+                                      <p:to>
+                                        <p:strVal val="visible"/>
+                                      </p:to>
+                                    </p:set>
+                                  </p:childTnLst>
+                                </p:cTn>
+                              </p:par>
+                            </p:childTnLst>
+                          </p:cTn>
+                        </p:par>
+                      </p:childTnLst>
+                    </p:cTn>
+                  </p:par>
+                </p:childTnLst>
+              </p:cTn>
+              <p:prevCondLst>
+                <p:cond evt="onPrev" delay="0">
+                  <p:tgtEl>
+                    <p:sldTgt/>
+                  </p:tgtEl>
+                </p:cond>
+              </p:prevCondLst>
+              <p:nextCondLst>
+                <p:cond evt="onNext" delay="0">
+                  <p:tgtEl>
+                    <p:sldTgt/>
+                  </p:tgtEl>
+                </p:cond>
+              </p:nextCondLst>
+            </p:seq>
+          </p:childTnLst>
+        </p:cTn>
+      </p:par>
+    </p:tnLst>
+  </p:timing>
 </p:sld>
 </file>
 
@@ -8732,6 +9302,13 @@
   <p:clrMapOvr>
     <a:masterClrMapping/>
   </p:clrMapOvr>
+  <p:timing>
+    <p:tnLst>
+      <p:par>
+        <p:cTn id="1" dur="indefinite" restart="never" nodeType="tmRoot"/>
+      </p:par>
+    </p:tnLst>
+  </p:timing>
 </p:sld>
 </file>
 
@@ -8774,8 +9351,8 @@
           </a:p>
         </p:txBody>
       </p:sp>
-      <mc:AlternateContent xmlns:mc="http://schemas.openxmlformats.org/markup-compatibility/2006">
-        <mc:Choice xmlns:a14="http://schemas.microsoft.com/office/drawing/2010/main" Requires="a14">
+      <mc:AlternateContent xmlns:mc="http://schemas.openxmlformats.org/markup-compatibility/2006" xmlns:a14="http://schemas.microsoft.com/office/drawing/2010/main">
+        <mc:Choice Requires="a14">
           <p:sp>
             <p:nvSpPr>
               <p:cNvPr id="3" name="Content Placeholder 2"/>
@@ -9273,7 +9850,7 @@
                     <m:sSub>
                       <m:sSubPr>
                         <m:ctrlPr>
-                          <a:rPr lang="en-US" b="0" i="0" dirty="0" smtClean="0">
+                          <a:rPr lang="en-US" b="0" i="1" dirty="0" smtClean="0">
                             <a:latin typeface="Cambria Math" panose="02040503050406030204" pitchFamily="18" charset="0"/>
                           </a:rPr>
                         </m:ctrlPr>
@@ -9309,7 +9886,7 @@
                     <m:sSub>
                       <m:sSubPr>
                         <m:ctrlPr>
-                          <a:rPr lang="en-US" b="0" i="0" dirty="0" smtClean="0">
+                          <a:rPr lang="en-US" b="0" i="1" dirty="0" smtClean="0">
                             <a:latin typeface="Cambria Math" panose="02040503050406030204" pitchFamily="18" charset="0"/>
                           </a:rPr>
                         </m:ctrlPr>
@@ -9345,7 +9922,7 @@
             </p:txBody>
           </p:sp>
         </mc:Choice>
-        <mc:Fallback>
+        <mc:Fallback xmlns="">
           <p:sp>
             <p:nvSpPr>
               <p:cNvPr id="3" name="Content Placeholder 2"/>
@@ -9494,7 +10071,7 @@
         </p:nvGrpSpPr>
         <p:grpSpPr>
           <a:xfrm>
-            <a:off x="4135395" y="2882212"/>
+            <a:off x="3855308" y="2726348"/>
             <a:ext cx="4328983" cy="627107"/>
             <a:chOff x="4135395" y="2882212"/>
             <a:chExt cx="4328983" cy="627107"/>
@@ -9579,6 +10156,129 @@
   <p:clrMapOvr>
     <a:masterClrMapping/>
   </p:clrMapOvr>
+  <p:timing>
+    <p:tnLst>
+      <p:par>
+        <p:cTn id="1" dur="indefinite" restart="never" nodeType="tmRoot">
+          <p:childTnLst>
+            <p:seq concurrent="1" nextAc="seek">
+              <p:cTn id="2" dur="indefinite" nodeType="mainSeq">
+                <p:childTnLst>
+                  <p:par>
+                    <p:cTn id="3" fill="hold">
+                      <p:stCondLst>
+                        <p:cond delay="indefinite"/>
+                      </p:stCondLst>
+                      <p:childTnLst>
+                        <p:par>
+                          <p:cTn id="4" fill="hold">
+                            <p:stCondLst>
+                              <p:cond delay="0"/>
+                            </p:stCondLst>
+                            <p:childTnLst>
+                              <p:par>
+                                <p:cTn id="5" presetID="1" presetClass="entr" presetSubtype="0" fill="hold" nodeType="clickEffect">
+                                  <p:stCondLst>
+                                    <p:cond delay="0"/>
+                                  </p:stCondLst>
+                                  <p:childTnLst>
+                                    <p:set>
+                                      <p:cBhvr>
+                                        <p:cTn id="6" dur="1" fill="hold">
+                                          <p:stCondLst>
+                                            <p:cond delay="0"/>
+                                          </p:stCondLst>
+                                        </p:cTn>
+                                        <p:tgtEl>
+                                          <p:spTgt spid="11"/>
+                                        </p:tgtEl>
+                                        <p:attrNameLst>
+                                          <p:attrName>style.visibility</p:attrName>
+                                        </p:attrNameLst>
+                                      </p:cBhvr>
+                                      <p:to>
+                                        <p:strVal val="visible"/>
+                                      </p:to>
+                                    </p:set>
+                                  </p:childTnLst>
+                                </p:cTn>
+                              </p:par>
+                            </p:childTnLst>
+                          </p:cTn>
+                        </p:par>
+                      </p:childTnLst>
+                    </p:cTn>
+                  </p:par>
+                  <p:par>
+                    <p:cTn id="7" fill="hold">
+                      <p:stCondLst>
+                        <p:cond delay="indefinite"/>
+                      </p:stCondLst>
+                      <p:childTnLst>
+                        <p:par>
+                          <p:cTn id="8" fill="hold">
+                            <p:stCondLst>
+                              <p:cond delay="0"/>
+                            </p:stCondLst>
+                            <p:childTnLst>
+                              <p:par>
+                                <p:cTn id="9" presetID="1" presetClass="entr" presetSubtype="0" fill="hold" grpId="0" nodeType="clickEffect">
+                                  <p:stCondLst>
+                                    <p:cond delay="0"/>
+                                  </p:stCondLst>
+                                  <p:childTnLst>
+                                    <p:set>
+                                      <p:cBhvr>
+                                        <p:cTn id="10" dur="1" fill="hold">
+                                          <p:stCondLst>
+                                            <p:cond delay="0"/>
+                                          </p:stCondLst>
+                                        </p:cTn>
+                                        <p:tgtEl>
+                                          <p:spTgt spid="7"/>
+                                        </p:tgtEl>
+                                        <p:attrNameLst>
+                                          <p:attrName>style.visibility</p:attrName>
+                                        </p:attrNameLst>
+                                      </p:cBhvr>
+                                      <p:to>
+                                        <p:strVal val="visible"/>
+                                      </p:to>
+                                    </p:set>
+                                  </p:childTnLst>
+                                </p:cTn>
+                              </p:par>
+                            </p:childTnLst>
+                          </p:cTn>
+                        </p:par>
+                      </p:childTnLst>
+                    </p:cTn>
+                  </p:par>
+                </p:childTnLst>
+              </p:cTn>
+              <p:prevCondLst>
+                <p:cond evt="onPrev" delay="0">
+                  <p:tgtEl>
+                    <p:sldTgt/>
+                  </p:tgtEl>
+                </p:cond>
+              </p:prevCondLst>
+              <p:nextCondLst>
+                <p:cond evt="onNext" delay="0">
+                  <p:tgtEl>
+                    <p:sldTgt/>
+                  </p:tgtEl>
+                </p:cond>
+              </p:nextCondLst>
+            </p:seq>
+          </p:childTnLst>
+        </p:cTn>
+      </p:par>
+    </p:tnLst>
+    <p:bldLst>
+      <p:bldP spid="7" grpId="0"/>
+    </p:bldLst>
+  </p:timing>
 </p:sld>
 </file>
 
@@ -9621,8 +10321,8 @@
           </a:p>
         </p:txBody>
       </p:sp>
-      <mc:AlternateContent xmlns:mc="http://schemas.openxmlformats.org/markup-compatibility/2006">
-        <mc:Choice xmlns:a14="http://schemas.microsoft.com/office/drawing/2010/main" Requires="a14">
+      <mc:AlternateContent xmlns:mc="http://schemas.openxmlformats.org/markup-compatibility/2006" xmlns:a14="http://schemas.microsoft.com/office/drawing/2010/main">
+        <mc:Choice Requires="a14">
           <p:sp>
             <p:nvSpPr>
               <p:cNvPr id="3" name="Content Placeholder 2"/>
@@ -9636,7 +10336,7 @@
             <p:spPr/>
             <p:txBody>
               <a:bodyPr>
-                <a:normAutofit fontScale="92500"/>
+                <a:normAutofit fontScale="92500" lnSpcReduction="10000"/>
               </a:bodyPr>
               <a:lstStyle/>
               <a:p>
@@ -9725,13 +10425,7 @@
                                   <a:rPr lang="en-US" b="0" i="1" smtClean="0">
                                     <a:latin typeface="Cambria Math" panose="02040503050406030204" pitchFamily="18" charset="0"/>
                                   </a:rPr>
-                                  <m:t>1</m:t>
-                                </m:r>
-                                <m:r>
-                                  <a:rPr lang="en-US" b="0" i="1" smtClean="0">
-                                    <a:latin typeface="Cambria Math" panose="02040503050406030204" pitchFamily="18" charset="0"/>
-                                  </a:rPr>
-                                  <m:t>≤</m:t>
+                                  <m:t>1≤</m:t>
                                 </m:r>
                                 <m:r>
                                   <a:rPr lang="en-US" b="0" i="1" smtClean="0">
@@ -9973,7 +10667,7 @@
             </p:txBody>
           </p:sp>
         </mc:Choice>
-        <mc:Fallback>
+        <mc:Fallback xmlns="">
           <p:sp>
             <p:nvSpPr>
               <p:cNvPr id="3" name="Content Placeholder 2"/>
@@ -9988,7 +10682,7 @@
               <a:blipFill rotWithShape="0">
                 <a:blip r:embed="rId2"/>
                 <a:stretch>
-                  <a:fillRect l="-1481" t="-1617" b="-943"/>
+                  <a:fillRect l="-1481" t="-2695"/>
                 </a:stretch>
               </a:blipFill>
             </p:spPr>
@@ -10124,6 +10818,213 @@
   <p:clrMapOvr>
     <a:masterClrMapping/>
   </p:clrMapOvr>
+  <p:timing>
+    <p:tnLst>
+      <p:par>
+        <p:cTn id="1" dur="indefinite" restart="never" nodeType="tmRoot">
+          <p:childTnLst>
+            <p:seq concurrent="1" nextAc="seek">
+              <p:cTn id="2" dur="indefinite" nodeType="mainSeq">
+                <p:childTnLst>
+                  <p:par>
+                    <p:cTn id="3" fill="hold">
+                      <p:stCondLst>
+                        <p:cond delay="indefinite"/>
+                      </p:stCondLst>
+                      <p:childTnLst>
+                        <p:par>
+                          <p:cTn id="4" fill="hold">
+                            <p:stCondLst>
+                              <p:cond delay="0"/>
+                            </p:stCondLst>
+                            <p:childTnLst>
+                              <p:par>
+                                <p:cTn id="5" presetID="1" presetClass="entr" presetSubtype="0" fill="hold" grpId="0" nodeType="clickEffect">
+                                  <p:stCondLst>
+                                    <p:cond delay="0"/>
+                                  </p:stCondLst>
+                                  <p:childTnLst>
+                                    <p:set>
+                                      <p:cBhvr>
+                                        <p:cTn id="6" dur="1" fill="hold">
+                                          <p:stCondLst>
+                                            <p:cond delay="0"/>
+                                          </p:stCondLst>
+                                        </p:cTn>
+                                        <p:tgtEl>
+                                          <p:spTgt spid="12"/>
+                                        </p:tgtEl>
+                                        <p:attrNameLst>
+                                          <p:attrName>style.visibility</p:attrName>
+                                        </p:attrNameLst>
+                                      </p:cBhvr>
+                                      <p:to>
+                                        <p:strVal val="visible"/>
+                                      </p:to>
+                                    </p:set>
+                                  </p:childTnLst>
+                                </p:cTn>
+                              </p:par>
+                            </p:childTnLst>
+                          </p:cTn>
+                        </p:par>
+                      </p:childTnLst>
+                    </p:cTn>
+                  </p:par>
+                  <p:par>
+                    <p:cTn id="7" fill="hold">
+                      <p:stCondLst>
+                        <p:cond delay="indefinite"/>
+                      </p:stCondLst>
+                      <p:childTnLst>
+                        <p:par>
+                          <p:cTn id="8" fill="hold">
+                            <p:stCondLst>
+                              <p:cond delay="0"/>
+                            </p:stCondLst>
+                            <p:childTnLst>
+                              <p:par>
+                                <p:cTn id="9" presetID="1" presetClass="entr" presetSubtype="0" fill="hold" nodeType="clickEffect">
+                                  <p:stCondLst>
+                                    <p:cond delay="0"/>
+                                  </p:stCondLst>
+                                  <p:childTnLst>
+                                    <p:set>
+                                      <p:cBhvr>
+                                        <p:cTn id="10" dur="1" fill="hold">
+                                          <p:stCondLst>
+                                            <p:cond delay="0"/>
+                                          </p:stCondLst>
+                                        </p:cTn>
+                                        <p:tgtEl>
+                                          <p:spTgt spid="3">
+                                            <p:txEl>
+                                              <p:pRg st="5" end="5"/>
+                                            </p:txEl>
+                                          </p:spTgt>
+                                        </p:tgtEl>
+                                        <p:attrNameLst>
+                                          <p:attrName>style.visibility</p:attrName>
+                                        </p:attrNameLst>
+                                      </p:cBhvr>
+                                      <p:to>
+                                        <p:strVal val="visible"/>
+                                      </p:to>
+                                    </p:set>
+                                  </p:childTnLst>
+                                </p:cTn>
+                              </p:par>
+                              <p:par>
+                                <p:cTn id="11" presetID="1" presetClass="entr" presetSubtype="0" fill="hold" nodeType="withEffect">
+                                  <p:stCondLst>
+                                    <p:cond delay="0"/>
+                                  </p:stCondLst>
+                                  <p:childTnLst>
+                                    <p:set>
+                                      <p:cBhvr>
+                                        <p:cTn id="12" dur="1" fill="hold">
+                                          <p:stCondLst>
+                                            <p:cond delay="0"/>
+                                          </p:stCondLst>
+                                        </p:cTn>
+                                        <p:tgtEl>
+                                          <p:spTgt spid="3">
+                                            <p:txEl>
+                                              <p:pRg st="6" end="6"/>
+                                            </p:txEl>
+                                          </p:spTgt>
+                                        </p:tgtEl>
+                                        <p:attrNameLst>
+                                          <p:attrName>style.visibility</p:attrName>
+                                        </p:attrNameLst>
+                                      </p:cBhvr>
+                                      <p:to>
+                                        <p:strVal val="visible"/>
+                                      </p:to>
+                                    </p:set>
+                                  </p:childTnLst>
+                                </p:cTn>
+                              </p:par>
+                            </p:childTnLst>
+                          </p:cTn>
+                        </p:par>
+                      </p:childTnLst>
+                    </p:cTn>
+                  </p:par>
+                  <p:par>
+                    <p:cTn id="13" fill="hold">
+                      <p:stCondLst>
+                        <p:cond delay="indefinite"/>
+                      </p:stCondLst>
+                      <p:childTnLst>
+                        <p:par>
+                          <p:cTn id="14" fill="hold">
+                            <p:stCondLst>
+                              <p:cond delay="0"/>
+                            </p:stCondLst>
+                            <p:childTnLst>
+                              <p:par>
+                                <p:cTn id="15" presetID="1" presetClass="entr" presetSubtype="0" fill="hold" nodeType="clickEffect">
+                                  <p:stCondLst>
+                                    <p:cond delay="0"/>
+                                  </p:stCondLst>
+                                  <p:childTnLst>
+                                    <p:set>
+                                      <p:cBhvr>
+                                        <p:cTn id="16" dur="1" fill="hold">
+                                          <p:stCondLst>
+                                            <p:cond delay="0"/>
+                                          </p:stCondLst>
+                                        </p:cTn>
+                                        <p:tgtEl>
+                                          <p:spTgt spid="3">
+                                            <p:txEl>
+                                              <p:pRg st="7" end="7"/>
+                                            </p:txEl>
+                                          </p:spTgt>
+                                        </p:tgtEl>
+                                        <p:attrNameLst>
+                                          <p:attrName>style.visibility</p:attrName>
+                                        </p:attrNameLst>
+                                      </p:cBhvr>
+                                      <p:to>
+                                        <p:strVal val="visible"/>
+                                      </p:to>
+                                    </p:set>
+                                  </p:childTnLst>
+                                </p:cTn>
+                              </p:par>
+                            </p:childTnLst>
+                          </p:cTn>
+                        </p:par>
+                      </p:childTnLst>
+                    </p:cTn>
+                  </p:par>
+                </p:childTnLst>
+              </p:cTn>
+              <p:prevCondLst>
+                <p:cond evt="onPrev" delay="0">
+                  <p:tgtEl>
+                    <p:sldTgt/>
+                  </p:tgtEl>
+                </p:cond>
+              </p:prevCondLst>
+              <p:nextCondLst>
+                <p:cond evt="onNext" delay="0">
+                  <p:tgtEl>
+                    <p:sldTgt/>
+                  </p:tgtEl>
+                </p:cond>
+              </p:nextCondLst>
+            </p:seq>
+          </p:childTnLst>
+        </p:cTn>
+      </p:par>
+    </p:tnLst>
+    <p:bldLst>
+      <p:bldP spid="12" grpId="0"/>
+    </p:bldLst>
+  </p:timing>
 </p:sld>
 </file>
 
@@ -10167,8 +11068,8 @@
           </a:p>
         </p:txBody>
       </p:sp>
-      <mc:AlternateContent xmlns:mc="http://schemas.openxmlformats.org/markup-compatibility/2006">
-        <mc:Choice xmlns:a14="http://schemas.microsoft.com/office/drawing/2010/main" Requires="a14">
+      <mc:AlternateContent xmlns:mc="http://schemas.openxmlformats.org/markup-compatibility/2006" xmlns:a14="http://schemas.microsoft.com/office/drawing/2010/main">
+        <mc:Choice Requires="a14">
           <p:sp>
             <p:nvSpPr>
               <p:cNvPr id="3" name="Content Placeholder 2"/>
@@ -10536,7 +11437,7 @@
             </p:txBody>
           </p:sp>
         </mc:Choice>
-        <mc:Fallback>
+        <mc:Fallback xmlns="">
           <p:sp>
             <p:nvSpPr>
               <p:cNvPr id="3" name="Content Placeholder 2"/>
@@ -10677,8 +11578,8 @@
             <a:chExt cx="1940162" cy="982245"/>
           </a:xfrm>
         </p:grpSpPr>
-        <mc:AlternateContent xmlns:mc="http://schemas.openxmlformats.org/markup-compatibility/2006">
-          <mc:Choice xmlns:a14="http://schemas.microsoft.com/office/drawing/2010/main" Requires="a14">
+        <mc:AlternateContent xmlns:mc="http://schemas.openxmlformats.org/markup-compatibility/2006" xmlns:a14="http://schemas.microsoft.com/office/drawing/2010/main">
+          <mc:Choice Requires="a14">
             <p:sp>
               <p:nvSpPr>
                 <p:cNvPr id="8" name="Rectangle 7"/>
@@ -10700,6 +11601,7 @@
                 </a:bodyPr>
                 <a:lstStyle/>
                 <a:p>
+                  <a:pPr/>
                   <a14:m>
                     <m:oMathPara xmlns:m="http://schemas.openxmlformats.org/officeDocument/2006/math">
                       <m:oMathParaPr>
@@ -10753,7 +11655,7 @@
               </p:txBody>
             </p:sp>
           </mc:Choice>
-          <mc:Fallback>
+          <mc:Fallback xmlns="">
             <p:sp>
               <p:nvSpPr>
                 <p:cNvPr id="8" name="Rectangle 7"/>
@@ -10792,8 +11694,8 @@
             </p:sp>
           </mc:Fallback>
         </mc:AlternateContent>
-        <mc:AlternateContent xmlns:mc="http://schemas.openxmlformats.org/markup-compatibility/2006">
-          <mc:Choice xmlns:a14="http://schemas.microsoft.com/office/drawing/2010/main" Requires="a14">
+        <mc:AlternateContent xmlns:mc="http://schemas.openxmlformats.org/markup-compatibility/2006" xmlns:a14="http://schemas.microsoft.com/office/drawing/2010/main">
+          <mc:Choice Requires="a14">
             <p:sp>
               <p:nvSpPr>
                 <p:cNvPr id="9" name="Rectangle 8"/>
@@ -10815,6 +11717,7 @@
                 </a:bodyPr>
                 <a:lstStyle/>
                 <a:p>
+                  <a:pPr/>
                   <a14:m>
                     <m:oMathPara xmlns:m="http://schemas.openxmlformats.org/officeDocument/2006/math">
                       <m:oMathParaPr>
@@ -10871,7 +11774,7 @@
               </p:txBody>
             </p:sp>
           </mc:Choice>
-          <mc:Fallback>
+          <mc:Fallback xmlns="">
             <p:sp>
               <p:nvSpPr>
                 <p:cNvPr id="9" name="Rectangle 8"/>
@@ -11096,6 +11999,216 @@
   <p:clrMapOvr>
     <a:masterClrMapping/>
   </p:clrMapOvr>
+  <p:timing>
+    <p:tnLst>
+      <p:par>
+        <p:cTn id="1" dur="indefinite" restart="never" nodeType="tmRoot">
+          <p:childTnLst>
+            <p:seq concurrent="1" nextAc="seek">
+              <p:cTn id="2" dur="indefinite" nodeType="mainSeq">
+                <p:childTnLst>
+                  <p:par>
+                    <p:cTn id="3" fill="hold">
+                      <p:stCondLst>
+                        <p:cond delay="indefinite"/>
+                      </p:stCondLst>
+                      <p:childTnLst>
+                        <p:par>
+                          <p:cTn id="4" fill="hold">
+                            <p:stCondLst>
+                              <p:cond delay="0"/>
+                            </p:stCondLst>
+                            <p:childTnLst>
+                              <p:par>
+                                <p:cTn id="5" presetID="1" presetClass="entr" presetSubtype="0" fill="hold" nodeType="clickEffect">
+                                  <p:stCondLst>
+                                    <p:cond delay="0"/>
+                                  </p:stCondLst>
+                                  <p:childTnLst>
+                                    <p:set>
+                                      <p:cBhvr>
+                                        <p:cTn id="6" dur="1" fill="hold">
+                                          <p:stCondLst>
+                                            <p:cond delay="0"/>
+                                          </p:stCondLst>
+                                        </p:cTn>
+                                        <p:tgtEl>
+                                          <p:spTgt spid="18"/>
+                                        </p:tgtEl>
+                                        <p:attrNameLst>
+                                          <p:attrName>style.visibility</p:attrName>
+                                        </p:attrNameLst>
+                                      </p:cBhvr>
+                                      <p:to>
+                                        <p:strVal val="visible"/>
+                                      </p:to>
+                                    </p:set>
+                                  </p:childTnLst>
+                                </p:cTn>
+                              </p:par>
+                            </p:childTnLst>
+                          </p:cTn>
+                        </p:par>
+                      </p:childTnLst>
+                    </p:cTn>
+                  </p:par>
+                  <p:par>
+                    <p:cTn id="7" fill="hold">
+                      <p:stCondLst>
+                        <p:cond delay="indefinite"/>
+                      </p:stCondLst>
+                      <p:childTnLst>
+                        <p:par>
+                          <p:cTn id="8" fill="hold">
+                            <p:stCondLst>
+                              <p:cond delay="0"/>
+                            </p:stCondLst>
+                            <p:childTnLst>
+                              <p:par>
+                                <p:cTn id="9" presetID="1" presetClass="entr" presetSubtype="0" fill="hold" nodeType="clickEffect">
+                                  <p:stCondLst>
+                                    <p:cond delay="0"/>
+                                  </p:stCondLst>
+                                  <p:childTnLst>
+                                    <p:set>
+                                      <p:cBhvr>
+                                        <p:cTn id="10" dur="1" fill="hold">
+                                          <p:stCondLst>
+                                            <p:cond delay="0"/>
+                                          </p:stCondLst>
+                                        </p:cTn>
+                                        <p:tgtEl>
+                                          <p:spTgt spid="7"/>
+                                        </p:tgtEl>
+                                        <p:attrNameLst>
+                                          <p:attrName>style.visibility</p:attrName>
+                                        </p:attrNameLst>
+                                      </p:cBhvr>
+                                      <p:to>
+                                        <p:strVal val="visible"/>
+                                      </p:to>
+                                    </p:set>
+                                  </p:childTnLst>
+                                </p:cTn>
+                              </p:par>
+                            </p:childTnLst>
+                          </p:cTn>
+                        </p:par>
+                      </p:childTnLst>
+                    </p:cTn>
+                  </p:par>
+                  <p:par>
+                    <p:cTn id="11" fill="hold">
+                      <p:stCondLst>
+                        <p:cond delay="indefinite"/>
+                      </p:stCondLst>
+                      <p:childTnLst>
+                        <p:par>
+                          <p:cTn id="12" fill="hold">
+                            <p:stCondLst>
+                              <p:cond delay="0"/>
+                            </p:stCondLst>
+                            <p:childTnLst>
+                              <p:par>
+                                <p:cTn id="13" presetID="1" presetClass="entr" presetSubtype="0" fill="hold" nodeType="clickEffect">
+                                  <p:stCondLst>
+                                    <p:cond delay="0"/>
+                                  </p:stCondLst>
+                                  <p:childTnLst>
+                                    <p:set>
+                                      <p:cBhvr>
+                                        <p:cTn id="14" dur="1" fill="hold">
+                                          <p:stCondLst>
+                                            <p:cond delay="0"/>
+                                          </p:stCondLst>
+                                        </p:cTn>
+                                        <p:tgtEl>
+                                          <p:spTgt spid="10"/>
+                                        </p:tgtEl>
+                                        <p:attrNameLst>
+                                          <p:attrName>style.visibility</p:attrName>
+                                        </p:attrNameLst>
+                                      </p:cBhvr>
+                                      <p:to>
+                                        <p:strVal val="visible"/>
+                                      </p:to>
+                                    </p:set>
+                                  </p:childTnLst>
+                                </p:cTn>
+                              </p:par>
+                            </p:childTnLst>
+                          </p:cTn>
+                        </p:par>
+                      </p:childTnLst>
+                    </p:cTn>
+                  </p:par>
+                  <p:par>
+                    <p:cTn id="15" fill="hold">
+                      <p:stCondLst>
+                        <p:cond delay="indefinite"/>
+                      </p:stCondLst>
+                      <p:childTnLst>
+                        <p:par>
+                          <p:cTn id="16" fill="hold">
+                            <p:stCondLst>
+                              <p:cond delay="0"/>
+                            </p:stCondLst>
+                            <p:childTnLst>
+                              <p:par>
+                                <p:cTn id="17" presetID="1" presetClass="entr" presetSubtype="0" fill="hold" nodeType="clickEffect">
+                                  <p:stCondLst>
+                                    <p:cond delay="0"/>
+                                  </p:stCondLst>
+                                  <p:childTnLst>
+                                    <p:set>
+                                      <p:cBhvr>
+                                        <p:cTn id="18" dur="1" fill="hold">
+                                          <p:stCondLst>
+                                            <p:cond delay="0"/>
+                                          </p:stCondLst>
+                                        </p:cTn>
+                                        <p:tgtEl>
+                                          <p:spTgt spid="14"/>
+                                        </p:tgtEl>
+                                        <p:attrNameLst>
+                                          <p:attrName>style.visibility</p:attrName>
+                                        </p:attrNameLst>
+                                      </p:cBhvr>
+                                      <p:to>
+                                        <p:strVal val="visible"/>
+                                      </p:to>
+                                    </p:set>
+                                  </p:childTnLst>
+                                </p:cTn>
+                              </p:par>
+                            </p:childTnLst>
+                          </p:cTn>
+                        </p:par>
+                      </p:childTnLst>
+                    </p:cTn>
+                  </p:par>
+                </p:childTnLst>
+              </p:cTn>
+              <p:prevCondLst>
+                <p:cond evt="onPrev" delay="0">
+                  <p:tgtEl>
+                    <p:sldTgt/>
+                  </p:tgtEl>
+                </p:cond>
+              </p:prevCondLst>
+              <p:nextCondLst>
+                <p:cond evt="onNext" delay="0">
+                  <p:tgtEl>
+                    <p:sldTgt/>
+                  </p:tgtEl>
+                </p:cond>
+              </p:nextCondLst>
+            </p:seq>
+          </p:childTnLst>
+        </p:cTn>
+      </p:par>
+    </p:tnLst>
+  </p:timing>
 </p:sld>
 </file>
 
@@ -11138,8 +12251,8 @@
           </a:p>
         </p:txBody>
       </p:sp>
-      <mc:AlternateContent xmlns:mc="http://schemas.openxmlformats.org/markup-compatibility/2006">
-        <mc:Choice xmlns:a14="http://schemas.microsoft.com/office/drawing/2010/main" Requires="a14">
+      <mc:AlternateContent xmlns:mc="http://schemas.openxmlformats.org/markup-compatibility/2006" xmlns:a14="http://schemas.microsoft.com/office/drawing/2010/main">
+        <mc:Choice Requires="a14">
           <p:sp>
             <p:nvSpPr>
               <p:cNvPr id="3" name="Content Placeholder 2"/>
@@ -12079,7 +13192,7 @@
             </p:txBody>
           </p:sp>
         </mc:Choice>
-        <mc:Fallback>
+        <mc:Fallback xmlns="">
           <p:sp>
             <p:nvSpPr>
               <p:cNvPr id="3" name="Content Placeholder 2"/>
@@ -12283,6 +13396,130 @@
   <p:clrMapOvr>
     <a:masterClrMapping/>
   </p:clrMapOvr>
+  <p:timing>
+    <p:tnLst>
+      <p:par>
+        <p:cTn id="1" dur="indefinite" restart="never" nodeType="tmRoot">
+          <p:childTnLst>
+            <p:seq concurrent="1" nextAc="seek">
+              <p:cTn id="2" dur="indefinite" nodeType="mainSeq">
+                <p:childTnLst>
+                  <p:par>
+                    <p:cTn id="3" fill="hold">
+                      <p:stCondLst>
+                        <p:cond delay="indefinite"/>
+                      </p:stCondLst>
+                      <p:childTnLst>
+                        <p:par>
+                          <p:cTn id="4" fill="hold">
+                            <p:stCondLst>
+                              <p:cond delay="0"/>
+                            </p:stCondLst>
+                            <p:childTnLst>
+                              <p:par>
+                                <p:cTn id="5" presetID="1" presetClass="entr" presetSubtype="0" fill="hold" nodeType="clickEffect">
+                                  <p:stCondLst>
+                                    <p:cond delay="0"/>
+                                  </p:stCondLst>
+                                  <p:childTnLst>
+                                    <p:set>
+                                      <p:cBhvr>
+                                        <p:cTn id="6" dur="1" fill="hold">
+                                          <p:stCondLst>
+                                            <p:cond delay="0"/>
+                                          </p:stCondLst>
+                                        </p:cTn>
+                                        <p:tgtEl>
+                                          <p:spTgt spid="10"/>
+                                        </p:tgtEl>
+                                        <p:attrNameLst>
+                                          <p:attrName>style.visibility</p:attrName>
+                                        </p:attrNameLst>
+                                      </p:cBhvr>
+                                      <p:to>
+                                        <p:strVal val="visible"/>
+                                      </p:to>
+                                    </p:set>
+                                  </p:childTnLst>
+                                </p:cTn>
+                              </p:par>
+                            </p:childTnLst>
+                          </p:cTn>
+                        </p:par>
+                      </p:childTnLst>
+                    </p:cTn>
+                  </p:par>
+                  <p:par>
+                    <p:cTn id="7" fill="hold">
+                      <p:stCondLst>
+                        <p:cond delay="indefinite"/>
+                      </p:stCondLst>
+                      <p:childTnLst>
+                        <p:par>
+                          <p:cTn id="8" fill="hold">
+                            <p:stCondLst>
+                              <p:cond delay="0"/>
+                            </p:stCondLst>
+                            <p:childTnLst>
+                              <p:par>
+                                <p:cTn id="9" presetID="1" presetClass="entr" presetSubtype="0" fill="hold" nodeType="clickEffect">
+                                  <p:stCondLst>
+                                    <p:cond delay="0"/>
+                                  </p:stCondLst>
+                                  <p:childTnLst>
+                                    <p:set>
+                                      <p:cBhvr>
+                                        <p:cTn id="10" dur="1" fill="hold">
+                                          <p:stCondLst>
+                                            <p:cond delay="0"/>
+                                          </p:stCondLst>
+                                        </p:cTn>
+                                        <p:tgtEl>
+                                          <p:spTgt spid="3">
+                                            <p:txEl>
+                                              <p:pRg st="4" end="4"/>
+                                            </p:txEl>
+                                          </p:spTgt>
+                                        </p:tgtEl>
+                                        <p:attrNameLst>
+                                          <p:attrName>style.visibility</p:attrName>
+                                        </p:attrNameLst>
+                                      </p:cBhvr>
+                                      <p:to>
+                                        <p:strVal val="visible"/>
+                                      </p:to>
+                                    </p:set>
+                                  </p:childTnLst>
+                                </p:cTn>
+                              </p:par>
+                            </p:childTnLst>
+                          </p:cTn>
+                        </p:par>
+                      </p:childTnLst>
+                    </p:cTn>
+                  </p:par>
+                </p:childTnLst>
+              </p:cTn>
+              <p:prevCondLst>
+                <p:cond evt="onPrev" delay="0">
+                  <p:tgtEl>
+                    <p:sldTgt/>
+                  </p:tgtEl>
+                </p:cond>
+              </p:prevCondLst>
+              <p:nextCondLst>
+                <p:cond evt="onNext" delay="0">
+                  <p:tgtEl>
+                    <p:sldTgt/>
+                  </p:tgtEl>
+                </p:cond>
+              </p:nextCondLst>
+            </p:seq>
+          </p:childTnLst>
+        </p:cTn>
+      </p:par>
+    </p:tnLst>
+  </p:timing>
 </p:sld>
 </file>
 
@@ -12325,8 +13562,8 @@
           </a:p>
         </p:txBody>
       </p:sp>
-      <mc:AlternateContent xmlns:mc="http://schemas.openxmlformats.org/markup-compatibility/2006">
-        <mc:Choice xmlns:a14="http://schemas.microsoft.com/office/drawing/2010/main" Requires="a14">
+      <mc:AlternateContent xmlns:mc="http://schemas.openxmlformats.org/markup-compatibility/2006" xmlns:a14="http://schemas.microsoft.com/office/drawing/2010/main">
+        <mc:Choice Requires="a14">
           <p:sp>
             <p:nvSpPr>
               <p:cNvPr id="3" name="Content Placeholder 2"/>
@@ -12363,11 +13600,7 @@
                 </a14:m>
                 <a:r>
                   <a:rPr lang="en-US" dirty="0"/>
-                  <a:t> on each </a:t>
-                </a:r>
-                <a:r>
-                  <a:rPr lang="en-US" dirty="0"/>
-                  <a:t>instance</a:t>
+                  <a:t> on each instance</a:t>
                 </a:r>
               </a:p>
               <a:p>
@@ -12484,7 +13717,7 @@
             </p:txBody>
           </p:sp>
         </mc:Choice>
-        <mc:Fallback>
+        <mc:Fallback xmlns="">
           <p:sp>
             <p:nvSpPr>
               <p:cNvPr id="3" name="Content Placeholder 2"/>
@@ -12587,8 +13820,8 @@
           </a:p>
         </p:txBody>
       </p:sp>
-      <mc:AlternateContent xmlns:mc="http://schemas.openxmlformats.org/markup-compatibility/2006">
-        <mc:Choice xmlns:a14="http://schemas.microsoft.com/office/drawing/2010/main" Requires="a14">
+      <mc:AlternateContent xmlns:mc="http://schemas.openxmlformats.org/markup-compatibility/2006" xmlns:a14="http://schemas.microsoft.com/office/drawing/2010/main">
+        <mc:Choice Requires="a14">
           <p:graphicFrame>
             <p:nvGraphicFramePr>
               <p:cNvPr id="7" name="Table 6"/>
@@ -12676,7 +13909,7 @@
                                 <m:sSub>
                                   <m:sSubPr>
                                     <m:ctrlPr>
-                                      <a:rPr lang="en-US" b="0" i="0" smtClean="0">
+                                      <a:rPr lang="en-US" b="0" i="1" smtClean="0">
                                         <a:latin typeface="Cambria Math" panose="02040503050406030204" pitchFamily="18" charset="0"/>
                                       </a:rPr>
                                     </m:ctrlPr>
@@ -13016,7 +14249,7 @@
             </a:graphic>
           </p:graphicFrame>
         </mc:Choice>
-        <mc:Fallback>
+        <mc:Fallback xmlns="">
           <p:graphicFrame>
             <p:nvGraphicFramePr>
               <p:cNvPr id="7" name="Table 6"/>
@@ -13432,6 +14665,145 @@
                       </p:childTnLst>
                     </p:cTn>
                   </p:par>
+                  <p:par>
+                    <p:cTn id="7" fill="hold">
+                      <p:stCondLst>
+                        <p:cond delay="indefinite"/>
+                      </p:stCondLst>
+                      <p:childTnLst>
+                        <p:par>
+                          <p:cTn id="8" fill="hold">
+                            <p:stCondLst>
+                              <p:cond delay="0"/>
+                            </p:stCondLst>
+                            <p:childTnLst>
+                              <p:par>
+                                <p:cTn id="9" presetID="1" presetClass="entr" presetSubtype="0" fill="hold" nodeType="clickEffect">
+                                  <p:stCondLst>
+                                    <p:cond delay="0"/>
+                                  </p:stCondLst>
+                                  <p:childTnLst>
+                                    <p:set>
+                                      <p:cBhvr>
+                                        <p:cTn id="10" dur="1" fill="hold">
+                                          <p:stCondLst>
+                                            <p:cond delay="0"/>
+                                          </p:stCondLst>
+                                        </p:cTn>
+                                        <p:tgtEl>
+                                          <p:spTgt spid="11"/>
+                                        </p:tgtEl>
+                                        <p:attrNameLst>
+                                          <p:attrName>style.visibility</p:attrName>
+                                        </p:attrNameLst>
+                                      </p:cBhvr>
+                                      <p:to>
+                                        <p:strVal val="visible"/>
+                                      </p:to>
+                                    </p:set>
+                                  </p:childTnLst>
+                                </p:cTn>
+                              </p:par>
+                            </p:childTnLst>
+                          </p:cTn>
+                        </p:par>
+                      </p:childTnLst>
+                    </p:cTn>
+                  </p:par>
+                  <p:par>
+                    <p:cTn id="11" fill="hold">
+                      <p:stCondLst>
+                        <p:cond delay="indefinite"/>
+                      </p:stCondLst>
+                      <p:childTnLst>
+                        <p:par>
+                          <p:cTn id="12" fill="hold">
+                            <p:stCondLst>
+                              <p:cond delay="0"/>
+                            </p:stCondLst>
+                            <p:childTnLst>
+                              <p:par>
+                                <p:cTn id="13" presetID="1" presetClass="entr" presetSubtype="0" fill="hold" nodeType="clickEffect">
+                                  <p:stCondLst>
+                                    <p:cond delay="0"/>
+                                  </p:stCondLst>
+                                  <p:childTnLst>
+                                    <p:set>
+                                      <p:cBhvr>
+                                        <p:cTn id="14" dur="1" fill="hold">
+                                          <p:stCondLst>
+                                            <p:cond delay="0"/>
+                                          </p:stCondLst>
+                                        </p:cTn>
+                                        <p:tgtEl>
+                                          <p:spTgt spid="3">
+                                            <p:txEl>
+                                              <p:pRg st="3" end="3"/>
+                                            </p:txEl>
+                                          </p:spTgt>
+                                        </p:tgtEl>
+                                        <p:attrNameLst>
+                                          <p:attrName>style.visibility</p:attrName>
+                                        </p:attrNameLst>
+                                      </p:cBhvr>
+                                      <p:to>
+                                        <p:strVal val="visible"/>
+                                      </p:to>
+                                    </p:set>
+                                  </p:childTnLst>
+                                </p:cTn>
+                              </p:par>
+                            </p:childTnLst>
+                          </p:cTn>
+                        </p:par>
+                      </p:childTnLst>
+                    </p:cTn>
+                  </p:par>
+                  <p:par>
+                    <p:cTn id="15" fill="hold">
+                      <p:stCondLst>
+                        <p:cond delay="indefinite"/>
+                      </p:stCondLst>
+                      <p:childTnLst>
+                        <p:par>
+                          <p:cTn id="16" fill="hold">
+                            <p:stCondLst>
+                              <p:cond delay="0"/>
+                            </p:stCondLst>
+                            <p:childTnLst>
+                              <p:par>
+                                <p:cTn id="17" presetID="1" presetClass="entr" presetSubtype="0" fill="hold" nodeType="clickEffect">
+                                  <p:stCondLst>
+                                    <p:cond delay="0"/>
+                                  </p:stCondLst>
+                                  <p:childTnLst>
+                                    <p:set>
+                                      <p:cBhvr>
+                                        <p:cTn id="18" dur="1" fill="hold">
+                                          <p:stCondLst>
+                                            <p:cond delay="0"/>
+                                          </p:stCondLst>
+                                        </p:cTn>
+                                        <p:tgtEl>
+                                          <p:spTgt spid="15"/>
+                                        </p:tgtEl>
+                                        <p:attrNameLst>
+                                          <p:attrName>style.visibility</p:attrName>
+                                        </p:attrNameLst>
+                                      </p:cBhvr>
+                                      <p:to>
+                                        <p:strVal val="visible"/>
+                                      </p:to>
+                                    </p:set>
+                                  </p:childTnLst>
+                                </p:cTn>
+                              </p:par>
+                            </p:childTnLst>
+                          </p:cTn>
+                        </p:par>
+                      </p:childTnLst>
+                    </p:cTn>
+                  </p:par>
                 </p:childTnLst>
               </p:cTn>
               <p:prevCondLst>
@@ -13496,8 +14868,8 @@
           </a:p>
         </p:txBody>
       </p:sp>
-      <mc:AlternateContent xmlns:mc="http://schemas.openxmlformats.org/markup-compatibility/2006">
-        <mc:Choice xmlns:a14="http://schemas.microsoft.com/office/drawing/2010/main" Requires="a14">
+      <mc:AlternateContent xmlns:mc="http://schemas.openxmlformats.org/markup-compatibility/2006" xmlns:a14="http://schemas.microsoft.com/office/drawing/2010/main">
+        <mc:Choice Requires="a14">
           <p:sp>
             <p:nvSpPr>
               <p:cNvPr id="3" name="Content Placeholder 2"/>
@@ -13534,11 +14906,7 @@
                 </a14:m>
                 <a:r>
                   <a:rPr lang="en-US" dirty="0"/>
-                  <a:t> on each </a:t>
-                </a:r>
-                <a:r>
-                  <a:rPr lang="en-US" dirty="0"/>
-                  <a:t>instance</a:t>
+                  <a:t> on each instance</a:t>
                 </a:r>
               </a:p>
               <a:p>
@@ -13559,7 +14927,7 @@
             </p:txBody>
           </p:sp>
         </mc:Choice>
-        <mc:Fallback>
+        <mc:Fallback xmlns="">
           <p:sp>
             <p:nvSpPr>
               <p:cNvPr id="3" name="Content Placeholder 2"/>
@@ -13662,8 +15030,8 @@
           </a:p>
         </p:txBody>
       </p:sp>
-      <mc:AlternateContent xmlns:mc="http://schemas.openxmlformats.org/markup-compatibility/2006">
-        <mc:Choice xmlns:a14="http://schemas.microsoft.com/office/drawing/2010/main" Requires="a14">
+      <mc:AlternateContent xmlns:mc="http://schemas.openxmlformats.org/markup-compatibility/2006" xmlns:a14="http://schemas.microsoft.com/office/drawing/2010/main">
+        <mc:Choice Requires="a14">
           <p:graphicFrame>
             <p:nvGraphicFramePr>
               <p:cNvPr id="7" name="Table 6"/>
@@ -13751,7 +15119,7 @@
                                 <m:sSub>
                                   <m:sSubPr>
                                     <m:ctrlPr>
-                                      <a:rPr lang="en-US" b="0" i="0" smtClean="0">
+                                      <a:rPr lang="en-US" b="0" i="1" smtClean="0">
                                         <a:latin typeface="Cambria Math" panose="02040503050406030204" pitchFamily="18" charset="0"/>
                                       </a:rPr>
                                     </m:ctrlPr>
@@ -14091,7 +15459,7 @@
             </a:graphic>
           </p:graphicFrame>
         </mc:Choice>
-        <mc:Fallback>
+        <mc:Fallback xmlns="">
           <p:graphicFrame>
             <p:nvGraphicFramePr>
               <p:cNvPr id="7" name="Table 6"/>
@@ -14296,299 +15664,321 @@
           </a:prstGeom>
         </p:spPr>
       </p:pic>
-      <mc:AlternateContent xmlns:mc="http://schemas.openxmlformats.org/markup-compatibility/2006">
-        <mc:Choice xmlns:a14="http://schemas.microsoft.com/office/drawing/2010/main" Requires="a14">
-          <p:sp>
-            <p:nvSpPr>
-              <p:cNvPr id="9" name="TextBox 8"/>
-              <p:cNvSpPr txBox="1"/>
-              <p:nvPr/>
-            </p:nvSpPr>
-            <p:spPr>
-              <a:xfrm>
-                <a:off x="4572000" y="3926265"/>
-                <a:ext cx="3003130" cy="622350"/>
-              </a:xfrm>
-              <a:prstGeom prst="rect">
-                <a:avLst/>
-              </a:prstGeom>
-              <a:noFill/>
-            </p:spPr>
-            <p:txBody>
-              <a:bodyPr wrap="none" lIns="0" tIns="0" rIns="0" bIns="0" rtlCol="0">
-                <a:spAutoFit/>
-              </a:bodyPr>
-              <a:lstStyle/>
-              <a:p>
-                <a14:m>
-                  <m:oMathPara xmlns:m="http://schemas.openxmlformats.org/officeDocument/2006/math">
-                    <m:oMathParaPr>
-                      <m:jc m:val="centerGroup"/>
-                    </m:oMathParaPr>
-                    <m:oMath xmlns:m="http://schemas.openxmlformats.org/officeDocument/2006/math">
-                      <m:r>
-                        <a:rPr lang="en-US" b="0" i="1" smtClean="0">
-                          <a:latin typeface="Cambria Math" panose="02040503050406030204" pitchFamily="18" charset="0"/>
-                        </a:rPr>
-                        <m:t>𝑇𝑃</m:t>
-                      </m:r>
-                      <m:r>
-                        <a:rPr lang="en-US" b="0" i="1" smtClean="0">
-                          <a:latin typeface="Cambria Math" panose="02040503050406030204" pitchFamily="18" charset="0"/>
-                        </a:rPr>
-                        <m:t>=</m:t>
-                      </m:r>
-                      <m:d>
-                        <m:dPr>
-                          <m:ctrlPr>
-                            <a:rPr lang="en-US" b="0" i="1" smtClean="0">
-                              <a:latin typeface="Cambria Math" panose="02040503050406030204" pitchFamily="18" charset="0"/>
-                            </a:rPr>
-                          </m:ctrlPr>
-                        </m:dPr>
-                        <m:e>
-                          <m:f>
-                            <m:fPr>
-                              <m:type m:val="noBar"/>
-                              <m:ctrlPr>
-                                <a:rPr lang="en-US" b="0" i="1" smtClean="0">
-                                  <a:latin typeface="Cambria Math" panose="02040503050406030204" pitchFamily="18" charset="0"/>
-                                </a:rPr>
-                              </m:ctrlPr>
-                            </m:fPr>
-                            <m:num>
-                              <m:r>
-                                <a:rPr lang="en-US" b="0" i="1" smtClean="0">
-                                  <a:latin typeface="Cambria Math" panose="02040503050406030204" pitchFamily="18" charset="0"/>
-                                </a:rPr>
-                                <m:t>5</m:t>
-                              </m:r>
-                            </m:num>
-                            <m:den>
-                              <m:r>
-                                <a:rPr lang="en-US" b="0" i="1" smtClean="0">
-                                  <a:latin typeface="Cambria Math" panose="02040503050406030204" pitchFamily="18" charset="0"/>
-                                </a:rPr>
-                                <m:t>2</m:t>
-                              </m:r>
-                            </m:den>
-                          </m:f>
-                        </m:e>
-                      </m:d>
-                      <m:r>
-                        <a:rPr lang="en-US" b="0" i="1" smtClean="0">
-                          <a:latin typeface="Cambria Math" panose="02040503050406030204" pitchFamily="18" charset="0"/>
-                        </a:rPr>
-                        <m:t>+</m:t>
-                      </m:r>
-                      <m:d>
-                        <m:dPr>
-                          <m:ctrlPr>
-                            <a:rPr lang="en-US" i="1">
-                              <a:latin typeface="Cambria Math" panose="02040503050406030204" pitchFamily="18" charset="0"/>
-                            </a:rPr>
-                          </m:ctrlPr>
-                        </m:dPr>
-                        <m:e>
-                          <m:f>
-                            <m:fPr>
-                              <m:type m:val="noBar"/>
-                              <m:ctrlPr>
-                                <a:rPr lang="en-US" i="1">
-                                  <a:latin typeface="Cambria Math" panose="02040503050406030204" pitchFamily="18" charset="0"/>
-                                </a:rPr>
-                              </m:ctrlPr>
-                            </m:fPr>
-                            <m:num>
-                              <m:r>
-                                <a:rPr lang="en-US" b="0" i="1" smtClean="0">
-                                  <a:latin typeface="Cambria Math" panose="02040503050406030204" pitchFamily="18" charset="0"/>
-                                </a:rPr>
-                                <m:t>4</m:t>
-                              </m:r>
-                            </m:num>
-                            <m:den>
-                              <m:r>
-                                <a:rPr lang="en-US" i="1">
-                                  <a:latin typeface="Cambria Math" panose="02040503050406030204" pitchFamily="18" charset="0"/>
-                                </a:rPr>
-                                <m:t>2</m:t>
-                              </m:r>
-                            </m:den>
-                          </m:f>
-                        </m:e>
-                      </m:d>
-                      <m:r>
-                        <a:rPr lang="en-US" i="1">
-                          <a:latin typeface="Cambria Math" panose="02040503050406030204" pitchFamily="18" charset="0"/>
-                        </a:rPr>
-                        <m:t>+</m:t>
-                      </m:r>
-                      <m:d>
-                        <m:dPr>
-                          <m:ctrlPr>
-                            <a:rPr lang="en-US" i="1">
-                              <a:latin typeface="Cambria Math" panose="02040503050406030204" pitchFamily="18" charset="0"/>
-                            </a:rPr>
-                          </m:ctrlPr>
-                        </m:dPr>
-                        <m:e>
-                          <m:f>
-                            <m:fPr>
-                              <m:type m:val="noBar"/>
-                              <m:ctrlPr>
-                                <a:rPr lang="en-US" i="1">
-                                  <a:latin typeface="Cambria Math" panose="02040503050406030204" pitchFamily="18" charset="0"/>
-                                </a:rPr>
-                              </m:ctrlPr>
-                            </m:fPr>
-                            <m:num>
-                              <m:r>
-                                <a:rPr lang="en-US" b="0" i="1" smtClean="0">
-                                  <a:latin typeface="Cambria Math" panose="02040503050406030204" pitchFamily="18" charset="0"/>
-                                </a:rPr>
-                                <m:t>3</m:t>
-                              </m:r>
-                            </m:num>
-                            <m:den>
-                              <m:r>
-                                <a:rPr lang="en-US" i="1">
-                                  <a:latin typeface="Cambria Math" panose="02040503050406030204" pitchFamily="18" charset="0"/>
-                                </a:rPr>
-                                <m:t>2</m:t>
-                              </m:r>
-                            </m:den>
-                          </m:f>
-                        </m:e>
-                      </m:d>
-                      <m:r>
-                        <a:rPr lang="en-US" i="1">
-                          <a:latin typeface="Cambria Math" panose="02040503050406030204" pitchFamily="18" charset="0"/>
-                        </a:rPr>
-                        <m:t>+</m:t>
-                      </m:r>
-                      <m:d>
-                        <m:dPr>
-                          <m:ctrlPr>
-                            <a:rPr lang="en-US" i="1">
-                              <a:latin typeface="Cambria Math" panose="02040503050406030204" pitchFamily="18" charset="0"/>
-                            </a:rPr>
-                          </m:ctrlPr>
-                        </m:dPr>
-                        <m:e>
-                          <m:f>
-                            <m:fPr>
-                              <m:type m:val="noBar"/>
-                              <m:ctrlPr>
-                                <a:rPr lang="en-US" i="1">
-                                  <a:latin typeface="Cambria Math" panose="02040503050406030204" pitchFamily="18" charset="0"/>
-                                </a:rPr>
-                              </m:ctrlPr>
-                            </m:fPr>
-                            <m:num>
-                              <m:r>
-                                <a:rPr lang="en-US" b="0" i="1" smtClean="0">
-                                  <a:latin typeface="Cambria Math" panose="02040503050406030204" pitchFamily="18" charset="0"/>
-                                </a:rPr>
-                                <m:t>2</m:t>
-                              </m:r>
-                            </m:num>
-                            <m:den>
-                              <m:r>
-                                <a:rPr lang="en-US" i="1">
-                                  <a:latin typeface="Cambria Math" panose="02040503050406030204" pitchFamily="18" charset="0"/>
-                                </a:rPr>
-                                <m:t>2</m:t>
-                              </m:r>
-                            </m:den>
-                          </m:f>
-                        </m:e>
-                      </m:d>
-                    </m:oMath>
-                  </m:oMathPara>
-                </a14:m>
-                <a:endParaRPr lang="en-US" dirty="0"/>
-              </a:p>
-            </p:txBody>
-          </p:sp>
-        </mc:Choice>
-        <mc:Fallback>
-          <p:sp>
-            <p:nvSpPr>
-              <p:cNvPr id="9" name="TextBox 8"/>
-              <p:cNvSpPr txBox="1">
-                <a:spLocks noRot="1" noChangeAspect="1" noMove="1" noResize="1" noEditPoints="1" noAdjustHandles="1" noChangeArrowheads="1" noChangeShapeType="1" noTextEdit="1"/>
-              </p:cNvSpPr>
-              <p:nvPr/>
-            </p:nvSpPr>
-            <p:spPr>
-              <a:xfrm>
-                <a:off x="4572000" y="3926265"/>
-                <a:ext cx="3003130" cy="622350"/>
-              </a:xfrm>
-              <a:prstGeom prst="rect">
-                <a:avLst/>
-              </a:prstGeom>
-              <a:blipFill rotWithShape="0">
-                <a:blip r:embed="rId5"/>
-                <a:stretch>
-                  <a:fillRect/>
-                </a:stretch>
-              </a:blipFill>
-            </p:spPr>
-            <p:txBody>
-              <a:bodyPr/>
-              <a:lstStyle/>
-              <a:p>
-                <a:r>
-                  <a:rPr lang="en-US">
-                    <a:noFill/>
-                  </a:rPr>
-                  <a:t> </a:t>
-                </a:r>
-              </a:p>
-            </p:txBody>
-          </p:sp>
-        </mc:Fallback>
-      </mc:AlternateContent>
-      <p:cxnSp>
-        <p:nvCxnSpPr>
-          <p:cNvPr id="17" name="Straight Arrow Connector 16"/>
-          <p:cNvCxnSpPr/>
+      <p:grpSp>
+        <p:nvGrpSpPr>
+          <p:cNvPr id="8" name="Group 7"/>
+          <p:cNvGrpSpPr/>
           <p:nvPr/>
-        </p:nvCxnSpPr>
-        <p:spPr>
-          <a:xfrm flipH="1" flipV="1">
+        </p:nvGrpSpPr>
+        <p:grpSpPr>
+          <a:xfrm>
             <a:off x="4325773" y="3307065"/>
-            <a:ext cx="411892" cy="778026"/>
+            <a:ext cx="3807202" cy="1241550"/>
+            <a:chOff x="4325773" y="3307065"/>
+            <a:chExt cx="3807202" cy="1241550"/>
           </a:xfrm>
-          <a:prstGeom prst="straightConnector1">
-            <a:avLst/>
-          </a:prstGeom>
-          <a:ln w="12700">
-            <a:solidFill>
-              <a:srgbClr val="FF0000"/>
-            </a:solidFill>
-            <a:tailEnd type="triangle"/>
-          </a:ln>
-        </p:spPr>
-        <p:style>
-          <a:lnRef idx="1">
-            <a:schemeClr val="accent1"/>
-          </a:lnRef>
-          <a:fillRef idx="0">
-            <a:schemeClr val="accent1"/>
-          </a:fillRef>
-          <a:effectRef idx="0">
-            <a:schemeClr val="accent1"/>
-          </a:effectRef>
-          <a:fontRef idx="minor">
-            <a:schemeClr val="tx1"/>
-          </a:fontRef>
-        </p:style>
-      </p:cxnSp>
-      <mc:AlternateContent xmlns:mc="http://schemas.openxmlformats.org/markup-compatibility/2006">
-        <mc:Choice xmlns:a14="http://schemas.microsoft.com/office/drawing/2010/main" Requires="a14">
+        </p:grpSpPr>
+        <mc:AlternateContent xmlns:mc="http://schemas.openxmlformats.org/markup-compatibility/2006" xmlns:a14="http://schemas.microsoft.com/office/drawing/2010/main">
+          <mc:Choice Requires="a14">
+            <p:sp>
+              <p:nvSpPr>
+                <p:cNvPr id="9" name="TextBox 8"/>
+                <p:cNvSpPr txBox="1"/>
+                <p:nvPr/>
+              </p:nvSpPr>
+              <p:spPr>
+                <a:xfrm>
+                  <a:off x="4572000" y="3926265"/>
+                  <a:ext cx="3560975" cy="622350"/>
+                </a:xfrm>
+                <a:prstGeom prst="rect">
+                  <a:avLst/>
+                </a:prstGeom>
+                <a:noFill/>
+              </p:spPr>
+              <p:txBody>
+                <a:bodyPr wrap="none" lIns="0" tIns="0" rIns="0" bIns="0" rtlCol="0">
+                  <a:spAutoFit/>
+                </a:bodyPr>
+                <a:lstStyle/>
+                <a:p>
+                  <a:pPr/>
+                  <a14:m>
+                    <m:oMathPara xmlns:m="http://schemas.openxmlformats.org/officeDocument/2006/math">
+                      <m:oMathParaPr>
+                        <m:jc m:val="centerGroup"/>
+                      </m:oMathParaPr>
+                      <m:oMath xmlns:m="http://schemas.openxmlformats.org/officeDocument/2006/math">
+                        <m:r>
+                          <a:rPr lang="en-US" b="0" i="1" smtClean="0">
+                            <a:latin typeface="Cambria Math" panose="02040503050406030204" pitchFamily="18" charset="0"/>
+                          </a:rPr>
+                          <m:t>𝑇𝑃</m:t>
+                        </m:r>
+                        <m:r>
+                          <a:rPr lang="en-US" b="0" i="1" smtClean="0">
+                            <a:latin typeface="Cambria Math" panose="02040503050406030204" pitchFamily="18" charset="0"/>
+                          </a:rPr>
+                          <m:t>=</m:t>
+                        </m:r>
+                        <m:d>
+                          <m:dPr>
+                            <m:ctrlPr>
+                              <a:rPr lang="en-US" b="0" i="1" smtClean="0">
+                                <a:latin typeface="Cambria Math" panose="02040503050406030204" pitchFamily="18" charset="0"/>
+                              </a:rPr>
+                            </m:ctrlPr>
+                          </m:dPr>
+                          <m:e>
+                            <m:f>
+                              <m:fPr>
+                                <m:type m:val="noBar"/>
+                                <m:ctrlPr>
+                                  <a:rPr lang="en-US" b="0" i="1" smtClean="0">
+                                    <a:latin typeface="Cambria Math" panose="02040503050406030204" pitchFamily="18" charset="0"/>
+                                  </a:rPr>
+                                </m:ctrlPr>
+                              </m:fPr>
+                              <m:num>
+                                <m:r>
+                                  <a:rPr lang="en-US" b="0" i="1" smtClean="0">
+                                    <a:latin typeface="Cambria Math" panose="02040503050406030204" pitchFamily="18" charset="0"/>
+                                  </a:rPr>
+                                  <m:t>5</m:t>
+                                </m:r>
+                              </m:num>
+                              <m:den>
+                                <m:r>
+                                  <a:rPr lang="en-US" b="0" i="1" smtClean="0">
+                                    <a:latin typeface="Cambria Math" panose="02040503050406030204" pitchFamily="18" charset="0"/>
+                                  </a:rPr>
+                                  <m:t>2</m:t>
+                                </m:r>
+                              </m:den>
+                            </m:f>
+                          </m:e>
+                        </m:d>
+                        <m:r>
+                          <a:rPr lang="en-US" b="0" i="1" smtClean="0">
+                            <a:latin typeface="Cambria Math" panose="02040503050406030204" pitchFamily="18" charset="0"/>
+                          </a:rPr>
+                          <m:t>+</m:t>
+                        </m:r>
+                        <m:d>
+                          <m:dPr>
+                            <m:ctrlPr>
+                              <a:rPr lang="en-US" i="1">
+                                <a:latin typeface="Cambria Math" panose="02040503050406030204" pitchFamily="18" charset="0"/>
+                              </a:rPr>
+                            </m:ctrlPr>
+                          </m:dPr>
+                          <m:e>
+                            <m:f>
+                              <m:fPr>
+                                <m:type m:val="noBar"/>
+                                <m:ctrlPr>
+                                  <a:rPr lang="en-US" i="1">
+                                    <a:latin typeface="Cambria Math" panose="02040503050406030204" pitchFamily="18" charset="0"/>
+                                  </a:rPr>
+                                </m:ctrlPr>
+                              </m:fPr>
+                              <m:num>
+                                <m:r>
+                                  <a:rPr lang="en-US" b="0" i="1" smtClean="0">
+                                    <a:latin typeface="Cambria Math" panose="02040503050406030204" pitchFamily="18" charset="0"/>
+                                  </a:rPr>
+                                  <m:t>4</m:t>
+                                </m:r>
+                              </m:num>
+                              <m:den>
+                                <m:r>
+                                  <a:rPr lang="en-US" i="1">
+                                    <a:latin typeface="Cambria Math" panose="02040503050406030204" pitchFamily="18" charset="0"/>
+                                  </a:rPr>
+                                  <m:t>2</m:t>
+                                </m:r>
+                              </m:den>
+                            </m:f>
+                          </m:e>
+                        </m:d>
+                        <m:r>
+                          <a:rPr lang="en-US" i="1">
+                            <a:latin typeface="Cambria Math" panose="02040503050406030204" pitchFamily="18" charset="0"/>
+                          </a:rPr>
+                          <m:t>+</m:t>
+                        </m:r>
+                        <m:d>
+                          <m:dPr>
+                            <m:ctrlPr>
+                              <a:rPr lang="en-US" i="1">
+                                <a:latin typeface="Cambria Math" panose="02040503050406030204" pitchFamily="18" charset="0"/>
+                              </a:rPr>
+                            </m:ctrlPr>
+                          </m:dPr>
+                          <m:e>
+                            <m:f>
+                              <m:fPr>
+                                <m:type m:val="noBar"/>
+                                <m:ctrlPr>
+                                  <a:rPr lang="en-US" i="1">
+                                    <a:latin typeface="Cambria Math" panose="02040503050406030204" pitchFamily="18" charset="0"/>
+                                  </a:rPr>
+                                </m:ctrlPr>
+                              </m:fPr>
+                              <m:num>
+                                <m:r>
+                                  <a:rPr lang="en-US" b="0" i="1" smtClean="0">
+                                    <a:latin typeface="Cambria Math" panose="02040503050406030204" pitchFamily="18" charset="0"/>
+                                  </a:rPr>
+                                  <m:t>3</m:t>
+                                </m:r>
+                              </m:num>
+                              <m:den>
+                                <m:r>
+                                  <a:rPr lang="en-US" i="1">
+                                    <a:latin typeface="Cambria Math" panose="02040503050406030204" pitchFamily="18" charset="0"/>
+                                  </a:rPr>
+                                  <m:t>2</m:t>
+                                </m:r>
+                              </m:den>
+                            </m:f>
+                          </m:e>
+                        </m:d>
+                        <m:r>
+                          <a:rPr lang="en-US" i="1">
+                            <a:latin typeface="Cambria Math" panose="02040503050406030204" pitchFamily="18" charset="0"/>
+                          </a:rPr>
+                          <m:t>+</m:t>
+                        </m:r>
+                        <m:d>
+                          <m:dPr>
+                            <m:ctrlPr>
+                              <a:rPr lang="en-US" i="1">
+                                <a:latin typeface="Cambria Math" panose="02040503050406030204" pitchFamily="18" charset="0"/>
+                              </a:rPr>
+                            </m:ctrlPr>
+                          </m:dPr>
+                          <m:e>
+                            <m:f>
+                              <m:fPr>
+                                <m:type m:val="noBar"/>
+                                <m:ctrlPr>
+                                  <a:rPr lang="en-US" i="1">
+                                    <a:latin typeface="Cambria Math" panose="02040503050406030204" pitchFamily="18" charset="0"/>
+                                  </a:rPr>
+                                </m:ctrlPr>
+                              </m:fPr>
+                              <m:num>
+                                <m:r>
+                                  <a:rPr lang="en-US" b="0" i="1" smtClean="0">
+                                    <a:latin typeface="Cambria Math" panose="02040503050406030204" pitchFamily="18" charset="0"/>
+                                  </a:rPr>
+                                  <m:t>2</m:t>
+                                </m:r>
+                              </m:num>
+                              <m:den>
+                                <m:r>
+                                  <a:rPr lang="en-US" i="1">
+                                    <a:latin typeface="Cambria Math" panose="02040503050406030204" pitchFamily="18" charset="0"/>
+                                  </a:rPr>
+                                  <m:t>2</m:t>
+                                </m:r>
+                              </m:den>
+                            </m:f>
+                          </m:e>
+                        </m:d>
+                        <m:r>
+                          <a:rPr lang="en-US" b="0" i="0" smtClean="0">
+                            <a:latin typeface="Cambria Math" panose="02040503050406030204" pitchFamily="18" charset="0"/>
+                          </a:rPr>
+                          <m:t>=20</m:t>
+                        </m:r>
+                      </m:oMath>
+                    </m:oMathPara>
+                  </a14:m>
+                  <a:endParaRPr lang="en-US" dirty="0"/>
+                </a:p>
+              </p:txBody>
+            </p:sp>
+          </mc:Choice>
+          <mc:Fallback xmlns="">
+            <p:sp>
+              <p:nvSpPr>
+                <p:cNvPr id="9" name="TextBox 8"/>
+                <p:cNvSpPr txBox="1">
+                  <a:spLocks noRot="1" noChangeAspect="1" noMove="1" noResize="1" noEditPoints="1" noAdjustHandles="1" noChangeArrowheads="1" noChangeShapeType="1" noTextEdit="1"/>
+                </p:cNvSpPr>
+                <p:nvPr/>
+              </p:nvSpPr>
+              <p:spPr>
+                <a:xfrm>
+                  <a:off x="4572000" y="3926265"/>
+                  <a:ext cx="3560975" cy="622350"/>
+                </a:xfrm>
+                <a:prstGeom prst="rect">
+                  <a:avLst/>
+                </a:prstGeom>
+                <a:blipFill rotWithShape="0">
+                  <a:blip r:embed="rId5"/>
+                  <a:stretch>
+                    <a:fillRect/>
+                  </a:stretch>
+                </a:blipFill>
+              </p:spPr>
+              <p:txBody>
+                <a:bodyPr/>
+                <a:lstStyle/>
+                <a:p>
+                  <a:r>
+                    <a:rPr lang="en-US">
+                      <a:noFill/>
+                    </a:rPr>
+                    <a:t> </a:t>
+                  </a:r>
+                </a:p>
+              </p:txBody>
+            </p:sp>
+          </mc:Fallback>
+        </mc:AlternateContent>
+        <p:cxnSp>
+          <p:nvCxnSpPr>
+            <p:cNvPr id="17" name="Straight Arrow Connector 16"/>
+            <p:cNvCxnSpPr/>
+            <p:nvPr/>
+          </p:nvCxnSpPr>
+          <p:spPr>
+            <a:xfrm flipH="1" flipV="1">
+              <a:off x="4325773" y="3307065"/>
+              <a:ext cx="411892" cy="778026"/>
+            </a:xfrm>
+            <a:prstGeom prst="straightConnector1">
+              <a:avLst/>
+            </a:prstGeom>
+            <a:ln w="12700">
+              <a:solidFill>
+                <a:srgbClr val="FF0000"/>
+              </a:solidFill>
+              <a:tailEnd type="triangle"/>
+            </a:ln>
+          </p:spPr>
+          <p:style>
+            <a:lnRef idx="1">
+              <a:schemeClr val="accent1"/>
+            </a:lnRef>
+            <a:fillRef idx="0">
+              <a:schemeClr val="accent1"/>
+            </a:fillRef>
+            <a:effectRef idx="0">
+              <a:schemeClr val="accent1"/>
+            </a:effectRef>
+            <a:fontRef idx="minor">
+              <a:schemeClr val="tx1"/>
+            </a:fontRef>
+          </p:style>
+        </p:cxnSp>
+      </p:grpSp>
+      <mc:AlternateContent xmlns:mc="http://schemas.openxmlformats.org/markup-compatibility/2006" xmlns:a14="http://schemas.microsoft.com/office/drawing/2010/main">
+        <mc:Choice Requires="a14">
           <p:sp>
             <p:nvSpPr>
               <p:cNvPr id="18" name="TextBox 17"/>
@@ -14611,6 +16001,7 @@
               </a:bodyPr>
               <a:lstStyle/>
               <a:p>
+                <a:pPr/>
                 <a14:m>
                   <m:oMathPara xmlns:m="http://schemas.openxmlformats.org/officeDocument/2006/math">
                     <m:oMathParaPr>
@@ -14784,7 +16175,7 @@
             </p:txBody>
           </p:sp>
         </mc:Choice>
-        <mc:Fallback>
+        <mc:Fallback xmlns="">
           <p:sp>
             <p:nvSpPr>
               <p:cNvPr id="18" name="TextBox 17"/>
@@ -14854,7 +16245,7 @@
                             </p:stCondLst>
                             <p:childTnLst>
                               <p:par>
-                                <p:cTn id="5" presetID="1" presetClass="entr" presetSubtype="0" fill="hold" nodeType="clickEffect">
+                                <p:cTn id="5" presetID="1" presetClass="entr" presetSubtype="0" fill="hold" grpId="0" nodeType="clickEffect">
                                   <p:stCondLst>
                                     <p:cond delay="0"/>
                                   </p:stCondLst>
@@ -14867,7 +16258,52 @@
                                           </p:stCondLst>
                                         </p:cTn>
                                         <p:tgtEl>
-                                          <p:spTgt spid="7"/>
+                                          <p:spTgt spid="18"/>
+                                        </p:tgtEl>
+                                        <p:attrNameLst>
+                                          <p:attrName>style.visibility</p:attrName>
+                                        </p:attrNameLst>
+                                      </p:cBhvr>
+                                      <p:to>
+                                        <p:strVal val="visible"/>
+                                      </p:to>
+                                    </p:set>
+                                  </p:childTnLst>
+                                </p:cTn>
+                              </p:par>
+                            </p:childTnLst>
+                          </p:cTn>
+                        </p:par>
+                      </p:childTnLst>
+                    </p:cTn>
+                  </p:par>
+                  <p:par>
+                    <p:cTn id="7" fill="hold">
+                      <p:stCondLst>
+                        <p:cond delay="indefinite"/>
+                      </p:stCondLst>
+                      <p:childTnLst>
+                        <p:par>
+                          <p:cTn id="8" fill="hold">
+                            <p:stCondLst>
+                              <p:cond delay="0"/>
+                            </p:stCondLst>
+                            <p:childTnLst>
+                              <p:par>
+                                <p:cTn id="9" presetID="1" presetClass="entr" presetSubtype="0" fill="hold" nodeType="clickEffect">
+                                  <p:stCondLst>
+                                    <p:cond delay="0"/>
+                                  </p:stCondLst>
+                                  <p:childTnLst>
+                                    <p:set>
+                                      <p:cBhvr>
+                                        <p:cTn id="10" dur="1" fill="hold">
+                                          <p:stCondLst>
+                                            <p:cond delay="0"/>
+                                          </p:stCondLst>
+                                        </p:cTn>
+                                        <p:tgtEl>
+                                          <p:spTgt spid="8"/>
                                         </p:tgtEl>
                                         <p:attrNameLst>
                                           <p:attrName>style.visibility</p:attrName>
@@ -14907,6 +16343,9 @@
         </p:cTn>
       </p:par>
     </p:tnLst>
+    <p:bldLst>
+      <p:bldP spid="18" grpId="0"/>
+    </p:bldLst>
   </p:timing>
 </p:sld>
 </file>
@@ -14950,8 +16389,8 @@
           </a:p>
         </p:txBody>
       </p:sp>
-      <mc:AlternateContent xmlns:mc="http://schemas.openxmlformats.org/markup-compatibility/2006">
-        <mc:Choice xmlns:a14="http://schemas.microsoft.com/office/drawing/2010/main" Requires="a14">
+      <mc:AlternateContent xmlns:mc="http://schemas.openxmlformats.org/markup-compatibility/2006" xmlns:a14="http://schemas.microsoft.com/office/drawing/2010/main">
+        <mc:Choice Requires="a14">
           <p:sp>
             <p:nvSpPr>
               <p:cNvPr id="3" name="Content Placeholder 2"/>
@@ -14988,11 +16427,7 @@
                 </a14:m>
                 <a:r>
                   <a:rPr lang="en-US" dirty="0"/>
-                  <a:t> on each </a:t>
-                </a:r>
-                <a:r>
-                  <a:rPr lang="en-US" dirty="0"/>
-                  <a:t>instance</a:t>
+                  <a:t> on each instance</a:t>
                 </a:r>
               </a:p>
               <a:p>
@@ -15020,7 +16455,7 @@
             </p:txBody>
           </p:sp>
         </mc:Choice>
-        <mc:Fallback>
+        <mc:Fallback xmlns="">
           <p:sp>
             <p:nvSpPr>
               <p:cNvPr id="3" name="Content Placeholder 2"/>
@@ -15123,8 +16558,8 @@
           </a:p>
         </p:txBody>
       </p:sp>
-      <mc:AlternateContent xmlns:mc="http://schemas.openxmlformats.org/markup-compatibility/2006">
-        <mc:Choice xmlns:a14="http://schemas.microsoft.com/office/drawing/2010/main" Requires="a14">
+      <mc:AlternateContent xmlns:mc="http://schemas.openxmlformats.org/markup-compatibility/2006" xmlns:a14="http://schemas.microsoft.com/office/drawing/2010/main">
+        <mc:Choice Requires="a14">
           <p:graphicFrame>
             <p:nvGraphicFramePr>
               <p:cNvPr id="7" name="Table 6"/>
@@ -15212,7 +16647,7 @@
                                 <m:sSub>
                                   <m:sSubPr>
                                     <m:ctrlPr>
-                                      <a:rPr lang="en-US" b="0" i="0" smtClean="0">
+                                      <a:rPr lang="en-US" b="0" i="1" smtClean="0">
                                         <a:latin typeface="Cambria Math" panose="02040503050406030204" pitchFamily="18" charset="0"/>
                                       </a:rPr>
                                     </m:ctrlPr>
@@ -15552,7 +16987,7 @@
             </a:graphic>
           </p:graphicFrame>
         </mc:Choice>
-        <mc:Fallback>
+        <mc:Fallback xmlns="">
           <p:graphicFrame>
             <p:nvGraphicFramePr>
               <p:cNvPr id="7" name="Table 6"/>
@@ -15746,75 +17181,7 @@
   <p:timing>
     <p:tnLst>
       <p:par>
-        <p:cTn id="1" dur="indefinite" restart="never" nodeType="tmRoot">
-          <p:childTnLst>
-            <p:seq concurrent="1" nextAc="seek">
-              <p:cTn id="2" dur="indefinite" nodeType="mainSeq">
-                <p:childTnLst>
-                  <p:par>
-                    <p:cTn id="3" fill="hold">
-                      <p:stCondLst>
-                        <p:cond delay="indefinite"/>
-                      </p:stCondLst>
-                      <p:childTnLst>
-                        <p:par>
-                          <p:cTn id="4" fill="hold">
-                            <p:stCondLst>
-                              <p:cond delay="0"/>
-                            </p:stCondLst>
-                            <p:childTnLst>
-                              <p:par>
-                                <p:cTn id="5" presetID="1" presetClass="entr" presetSubtype="0" fill="hold" nodeType="clickEffect">
-                                  <p:stCondLst>
-                                    <p:cond delay="0"/>
-                                  </p:stCondLst>
-                                  <p:childTnLst>
-                                    <p:set>
-                                      <p:cBhvr>
-                                        <p:cTn id="6" dur="1" fill="hold">
-                                          <p:stCondLst>
-                                            <p:cond delay="0"/>
-                                          </p:stCondLst>
-                                        </p:cTn>
-                                        <p:tgtEl>
-                                          <p:spTgt spid="7"/>
-                                        </p:tgtEl>
-                                        <p:attrNameLst>
-                                          <p:attrName>style.visibility</p:attrName>
-                                        </p:attrNameLst>
-                                      </p:cBhvr>
-                                      <p:to>
-                                        <p:strVal val="visible"/>
-                                      </p:to>
-                                    </p:set>
-                                  </p:childTnLst>
-                                </p:cTn>
-                              </p:par>
-                            </p:childTnLst>
-                          </p:cTn>
-                        </p:par>
-                      </p:childTnLst>
-                    </p:cTn>
-                  </p:par>
-                </p:childTnLst>
-              </p:cTn>
-              <p:prevCondLst>
-                <p:cond evt="onPrev" delay="0">
-                  <p:tgtEl>
-                    <p:sldTgt/>
-                  </p:tgtEl>
-                </p:cond>
-              </p:prevCondLst>
-              <p:nextCondLst>
-                <p:cond evt="onNext" delay="0">
-                  <p:tgtEl>
-                    <p:sldTgt/>
-                  </p:tgtEl>
-                </p:cond>
-              </p:nextCondLst>
-            </p:seq>
-          </p:childTnLst>
-        </p:cTn>
+        <p:cTn id="1" dur="indefinite" restart="never" nodeType="tmRoot"/>
       </p:par>
     </p:tnLst>
   </p:timing>
@@ -17523,6 +18890,13 @@
   <p:clrMapOvr>
     <a:masterClrMapping/>
   </p:clrMapOvr>
+  <p:timing>
+    <p:tnLst>
+      <p:par>
+        <p:cTn id="1" dur="indefinite" restart="never" nodeType="tmRoot"/>
+      </p:par>
+    </p:tnLst>
+  </p:timing>
 </p:sld>
 </file>
 
@@ -17696,6 +19070,13 @@
   <p:clrMapOvr>
     <a:masterClrMapping/>
   </p:clrMapOvr>
+  <p:timing>
+    <p:tnLst>
+      <p:par>
+        <p:cTn id="1" dur="indefinite" restart="never" nodeType="tmRoot"/>
+      </p:par>
+    </p:tnLst>
+  </p:timing>
 </p:sld>
 </file>
 
@@ -19084,6 +20465,117 @@
                       </p:childTnLst>
                     </p:cTn>
                   </p:par>
+                  <p:par>
+                    <p:cTn id="11" fill="hold">
+                      <p:stCondLst>
+                        <p:cond delay="indefinite"/>
+                      </p:stCondLst>
+                      <p:childTnLst>
+                        <p:par>
+                          <p:cTn id="12" fill="hold">
+                            <p:stCondLst>
+                              <p:cond delay="0"/>
+                            </p:stCondLst>
+                            <p:childTnLst>
+                              <p:par>
+                                <p:cTn id="13" presetID="1" presetClass="entr" presetSubtype="0" fill="hold" nodeType="clickEffect">
+                                  <p:stCondLst>
+                                    <p:cond delay="0"/>
+                                  </p:stCondLst>
+                                  <p:childTnLst>
+                                    <p:set>
+                                      <p:cBhvr>
+                                        <p:cTn id="14" dur="1" fill="hold">
+                                          <p:stCondLst>
+                                            <p:cond delay="0"/>
+                                          </p:stCondLst>
+                                        </p:cTn>
+                                        <p:tgtEl>
+                                          <p:spTgt spid="411651">
+                                            <p:txEl>
+                                              <p:pRg st="1" end="1"/>
+                                            </p:txEl>
+                                          </p:spTgt>
+                                        </p:tgtEl>
+                                        <p:attrNameLst>
+                                          <p:attrName>style.visibility</p:attrName>
+                                        </p:attrNameLst>
+                                      </p:cBhvr>
+                                      <p:to>
+                                        <p:strVal val="visible"/>
+                                      </p:to>
+                                    </p:set>
+                                  </p:childTnLst>
+                                </p:cTn>
+                              </p:par>
+                              <p:par>
+                                <p:cTn id="15" presetID="1" presetClass="entr" presetSubtype="0" fill="hold" nodeType="withEffect">
+                                  <p:stCondLst>
+                                    <p:cond delay="0"/>
+                                  </p:stCondLst>
+                                  <p:childTnLst>
+                                    <p:set>
+                                      <p:cBhvr>
+                                        <p:cTn id="16" dur="1" fill="hold">
+                                          <p:stCondLst>
+                                            <p:cond delay="0"/>
+                                          </p:stCondLst>
+                                        </p:cTn>
+                                        <p:tgtEl>
+                                          <p:spTgt spid="411651">
+                                            <p:txEl>
+                                              <p:pRg st="2" end="2"/>
+                                            </p:txEl>
+                                          </p:spTgt>
+                                        </p:tgtEl>
+                                        <p:attrNameLst>
+                                          <p:attrName>style.visibility</p:attrName>
+                                        </p:attrNameLst>
+                                      </p:cBhvr>
+                                      <p:to>
+                                        <p:strVal val="visible"/>
+                                      </p:to>
+                                    </p:set>
+                                  </p:childTnLst>
+                                </p:cTn>
+                              </p:par>
+                              <p:par>
+                                <p:cTn id="17" presetID="1" presetClass="entr" presetSubtype="0" fill="hold" nodeType="withEffect">
+                                  <p:stCondLst>
+                                    <p:cond delay="0"/>
+                                  </p:stCondLst>
+                                  <p:childTnLst>
+                                    <p:set>
+                                      <p:cBhvr>
+                                        <p:cTn id="18" dur="1" fill="hold">
+                                          <p:stCondLst>
+                                            <p:cond delay="0"/>
+                                          </p:stCondLst>
+                                        </p:cTn>
+                                        <p:tgtEl>
+                                          <p:spTgt spid="411651">
+                                            <p:txEl>
+                                              <p:pRg st="3" end="3"/>
+                                            </p:txEl>
+                                          </p:spTgt>
+                                        </p:tgtEl>
+                                        <p:attrNameLst>
+                                          <p:attrName>style.visibility</p:attrName>
+                                        </p:attrNameLst>
+                                      </p:cBhvr>
+                                      <p:to>
+                                        <p:strVal val="visible"/>
+                                      </p:to>
+                                    </p:set>
+                                  </p:childTnLst>
+                                </p:cTn>
+                              </p:par>
+                            </p:childTnLst>
+                          </p:cTn>
+                        </p:par>
+                      </p:childTnLst>
+                    </p:cTn>
+                  </p:par>
                 </p:childTnLst>
               </p:cTn>
               <p:prevCondLst>
@@ -19179,7 +20671,25 @@
               <a:rPr lang="en-US" altLang="ja-JP" b="0" dirty="0" smtClean="0">
                 <a:ea typeface="ＭＳ Ｐゴシック" panose="020B0600070205080204" pitchFamily="34" charset="-128"/>
               </a:rPr>
-              <a:t>Clustering: the process of grouping a set of objects into classes of similar objects</a:t>
+              <a:t>Clustering - </a:t>
+            </a:r>
+            <a:r>
+              <a:rPr lang="en-US" altLang="ja-JP" b="0" dirty="0" smtClean="0">
+                <a:ea typeface="ＭＳ Ｐゴシック" panose="020B0600070205080204" pitchFamily="34" charset="-128"/>
+              </a:rPr>
+              <a:t>the process of grouping a set of objects into </a:t>
+            </a:r>
+            <a:r>
+              <a:rPr lang="en-US" altLang="ja-JP" b="0" dirty="0" smtClean="0">
+                <a:ea typeface="ＭＳ Ｐゴシック" panose="020B0600070205080204" pitchFamily="34" charset="-128"/>
+              </a:rPr>
+              <a:t>clusters of </a:t>
+            </a:r>
+            <a:r>
+              <a:rPr lang="en-US" altLang="ja-JP" b="0" dirty="0" smtClean="0">
+                <a:ea typeface="ＭＳ Ｐゴシック" panose="020B0600070205080204" pitchFamily="34" charset="-128"/>
+              </a:rPr>
+              <a:t>similar objects</a:t>
             </a:r>
           </a:p>
           <a:p>
@@ -19314,7 +20824,128 @@
   <p:timing>
     <p:tnLst>
       <p:par>
-        <p:cTn id="1" dur="indefinite" restart="never" nodeType="tmRoot"/>
+        <p:cTn id="1" dur="indefinite" restart="never" nodeType="tmRoot">
+          <p:childTnLst>
+            <p:seq concurrent="1" nextAc="seek">
+              <p:cTn id="2" dur="indefinite" nodeType="mainSeq">
+                <p:childTnLst>
+                  <p:par>
+                    <p:cTn id="3" fill="hold">
+                      <p:stCondLst>
+                        <p:cond delay="indefinite"/>
+                      </p:stCondLst>
+                      <p:childTnLst>
+                        <p:par>
+                          <p:cTn id="4" fill="hold">
+                            <p:stCondLst>
+                              <p:cond delay="0"/>
+                            </p:stCondLst>
+                            <p:childTnLst>
+                              <p:par>
+                                <p:cTn id="5" presetID="1" presetClass="entr" presetSubtype="0" fill="hold" nodeType="clickEffect">
+                                  <p:stCondLst>
+                                    <p:cond delay="0"/>
+                                  </p:stCondLst>
+                                  <p:childTnLst>
+                                    <p:set>
+                                      <p:cBhvr>
+                                        <p:cTn id="6" dur="1" fill="hold">
+                                          <p:stCondLst>
+                                            <p:cond delay="0"/>
+                                          </p:stCondLst>
+                                        </p:cTn>
+                                        <p:tgtEl>
+                                          <p:spTgt spid="411651">
+                                            <p:txEl>
+                                              <p:pRg st="4" end="4"/>
+                                            </p:txEl>
+                                          </p:spTgt>
+                                        </p:tgtEl>
+                                        <p:attrNameLst>
+                                          <p:attrName>style.visibility</p:attrName>
+                                        </p:attrNameLst>
+                                      </p:cBhvr>
+                                      <p:to>
+                                        <p:strVal val="visible"/>
+                                      </p:to>
+                                    </p:set>
+                                  </p:childTnLst>
+                                </p:cTn>
+                              </p:par>
+                            </p:childTnLst>
+                          </p:cTn>
+                        </p:par>
+                      </p:childTnLst>
+                    </p:cTn>
+                  </p:par>
+                  <p:par>
+                    <p:cTn id="7" fill="hold">
+                      <p:stCondLst>
+                        <p:cond delay="indefinite"/>
+                      </p:stCondLst>
+                      <p:childTnLst>
+                        <p:par>
+                          <p:cTn id="8" fill="hold">
+                            <p:stCondLst>
+                              <p:cond delay="0"/>
+                            </p:stCondLst>
+                            <p:childTnLst>
+                              <p:par>
+                                <p:cTn id="9" presetID="1" presetClass="entr" presetSubtype="0" fill="hold" nodeType="clickEffect">
+                                  <p:stCondLst>
+                                    <p:cond delay="0"/>
+                                  </p:stCondLst>
+                                  <p:childTnLst>
+                                    <p:set>
+                                      <p:cBhvr>
+                                        <p:cTn id="10" dur="1" fill="hold">
+                                          <p:stCondLst>
+                                            <p:cond delay="0"/>
+                                          </p:stCondLst>
+                                        </p:cTn>
+                                        <p:tgtEl>
+                                          <p:spTgt spid="411651">
+                                            <p:txEl>
+                                              <p:pRg st="5" end="5"/>
+                                            </p:txEl>
+                                          </p:spTgt>
+                                        </p:tgtEl>
+                                        <p:attrNameLst>
+                                          <p:attrName>style.visibility</p:attrName>
+                                        </p:attrNameLst>
+                                      </p:cBhvr>
+                                      <p:to>
+                                        <p:strVal val="visible"/>
+                                      </p:to>
+                                    </p:set>
+                                  </p:childTnLst>
+                                </p:cTn>
+                              </p:par>
+                            </p:childTnLst>
+                          </p:cTn>
+                        </p:par>
+                      </p:childTnLst>
+                    </p:cTn>
+                  </p:par>
+                </p:childTnLst>
+              </p:cTn>
+              <p:prevCondLst>
+                <p:cond evt="onPrev" delay="0">
+                  <p:tgtEl>
+                    <p:sldTgt/>
+                  </p:tgtEl>
+                </p:cond>
+              </p:prevCondLst>
+              <p:nextCondLst>
+                <p:cond evt="onNext" delay="0">
+                  <p:tgtEl>
+                    <p:sldTgt/>
+                  </p:tgtEl>
+                </p:cond>
+              </p:nextCondLst>
+            </p:seq>
+          </p:childTnLst>
+        </p:cTn>
       </p:par>
     </p:tnLst>
   </p:timing>
@@ -19598,600 +21229,6 @@
           </a:prstGeom>
         </p:spPr>
       </p:pic>
-      <p:pic>
-        <p:nvPicPr>
-          <p:cNvPr id="17" name="Picture 16"/>
-          <p:cNvPicPr>
-            <a:picLocks noChangeAspect="1"/>
-          </p:cNvPicPr>
-          <p:nvPr/>
-        </p:nvPicPr>
-        <p:blipFill>
-          <a:blip r:embed="rId2"/>
-          <a:stretch>
-            <a:fillRect/>
-          </a:stretch>
-        </p:blipFill>
-        <p:spPr>
-          <a:xfrm>
-            <a:off x="438246" y="4340146"/>
-            <a:ext cx="546797" cy="803792"/>
-          </a:xfrm>
-          <a:prstGeom prst="rect">
-            <a:avLst/>
-          </a:prstGeom>
-        </p:spPr>
-      </p:pic>
-      <p:pic>
-        <p:nvPicPr>
-          <p:cNvPr id="18" name="Picture 17"/>
-          <p:cNvPicPr>
-            <a:picLocks noChangeAspect="1"/>
-          </p:cNvPicPr>
-          <p:nvPr/>
-        </p:nvPicPr>
-        <p:blipFill>
-          <a:blip r:embed="rId4"/>
-          <a:stretch>
-            <a:fillRect/>
-          </a:stretch>
-        </p:blipFill>
-        <p:spPr>
-          <a:xfrm>
-            <a:off x="1182541" y="4346687"/>
-            <a:ext cx="393694" cy="798324"/>
-          </a:xfrm>
-          <a:prstGeom prst="rect">
-            <a:avLst/>
-          </a:prstGeom>
-        </p:spPr>
-      </p:pic>
-      <p:pic>
-        <p:nvPicPr>
-          <p:cNvPr id="19" name="Picture 18"/>
-          <p:cNvPicPr>
-            <a:picLocks noChangeAspect="1"/>
-          </p:cNvPicPr>
-          <p:nvPr/>
-        </p:nvPicPr>
-        <p:blipFill>
-          <a:blip r:embed="rId5"/>
-          <a:stretch>
-            <a:fillRect/>
-          </a:stretch>
-        </p:blipFill>
-        <p:spPr>
-          <a:xfrm>
-            <a:off x="1703554" y="4394826"/>
-            <a:ext cx="453842" cy="749112"/>
-          </a:xfrm>
-          <a:prstGeom prst="rect">
-            <a:avLst/>
-          </a:prstGeom>
-        </p:spPr>
-      </p:pic>
-      <p:pic>
-        <p:nvPicPr>
-          <p:cNvPr id="20" name="Picture 19"/>
-          <p:cNvPicPr>
-            <a:picLocks noChangeAspect="1"/>
-          </p:cNvPicPr>
-          <p:nvPr/>
-        </p:nvPicPr>
-        <p:blipFill>
-          <a:blip r:embed="rId6"/>
-          <a:stretch>
-            <a:fillRect/>
-          </a:stretch>
-        </p:blipFill>
-        <p:spPr>
-          <a:xfrm>
-            <a:off x="2284715" y="4394826"/>
-            <a:ext cx="415566" cy="760048"/>
-          </a:xfrm>
-          <a:prstGeom prst="rect">
-            <a:avLst/>
-          </a:prstGeom>
-        </p:spPr>
-      </p:pic>
-      <p:pic>
-        <p:nvPicPr>
-          <p:cNvPr id="21" name="Picture 20"/>
-          <p:cNvPicPr>
-            <a:picLocks noChangeAspect="1"/>
-          </p:cNvPicPr>
-          <p:nvPr/>
-        </p:nvPicPr>
-        <p:blipFill>
-          <a:blip r:embed="rId3"/>
-          <a:stretch>
-            <a:fillRect/>
-          </a:stretch>
-        </p:blipFill>
-        <p:spPr>
-          <a:xfrm>
-            <a:off x="748315" y="5542083"/>
-            <a:ext cx="486649" cy="770984"/>
-          </a:xfrm>
-          <a:prstGeom prst="rect">
-            <a:avLst/>
-          </a:prstGeom>
-        </p:spPr>
-      </p:pic>
-      <p:pic>
-        <p:nvPicPr>
-          <p:cNvPr id="22" name="Picture 21"/>
-          <p:cNvPicPr>
-            <a:picLocks noChangeAspect="1"/>
-          </p:cNvPicPr>
-          <p:nvPr/>
-        </p:nvPicPr>
-        <p:blipFill>
-          <a:blip r:embed="rId7"/>
-          <a:stretch>
-            <a:fillRect/>
-          </a:stretch>
-        </p:blipFill>
-        <p:spPr>
-          <a:xfrm>
-            <a:off x="1318204" y="5509562"/>
-            <a:ext cx="322611" cy="874876"/>
-          </a:xfrm>
-          <a:prstGeom prst="rect">
-            <a:avLst/>
-          </a:prstGeom>
-        </p:spPr>
-      </p:pic>
-      <p:pic>
-        <p:nvPicPr>
-          <p:cNvPr id="23" name="Picture 22"/>
-          <p:cNvPicPr>
-            <a:picLocks noChangeAspect="1"/>
-          </p:cNvPicPr>
-          <p:nvPr/>
-        </p:nvPicPr>
-        <p:blipFill>
-          <a:blip r:embed="rId8"/>
-          <a:stretch>
-            <a:fillRect/>
-          </a:stretch>
-        </p:blipFill>
-        <p:spPr>
-          <a:xfrm>
-            <a:off x="1750851" y="5515646"/>
-            <a:ext cx="546797" cy="803792"/>
-          </a:xfrm>
-          <a:prstGeom prst="rect">
-            <a:avLst/>
-          </a:prstGeom>
-        </p:spPr>
-      </p:pic>
-      <p:sp>
-        <p:nvSpPr>
-          <p:cNvPr id="32" name="TextBox 31"/>
-          <p:cNvSpPr txBox="1"/>
-          <p:nvPr/>
-        </p:nvSpPr>
-        <p:spPr>
-          <a:xfrm>
-            <a:off x="559479" y="3836988"/>
-            <a:ext cx="2092411" cy="369332"/>
-          </a:xfrm>
-          <a:prstGeom prst="rect">
-            <a:avLst/>
-          </a:prstGeom>
-          <a:noFill/>
-        </p:spPr>
-        <p:txBody>
-          <a:bodyPr wrap="square" rtlCol="0">
-            <a:spAutoFit/>
-          </a:bodyPr>
-          <a:lstStyle/>
-          <a:p>
-            <a:r>
-              <a:rPr lang="en-US" dirty="0" smtClean="0"/>
-              <a:t>Similarity by gender</a:t>
-            </a:r>
-            <a:endParaRPr lang="en-US" dirty="0"/>
-          </a:p>
-        </p:txBody>
-      </p:sp>
-      <p:pic>
-        <p:nvPicPr>
-          <p:cNvPr id="33" name="Picture 32"/>
-          <p:cNvPicPr>
-            <a:picLocks noChangeAspect="1"/>
-          </p:cNvPicPr>
-          <p:nvPr/>
-        </p:nvPicPr>
-        <p:blipFill>
-          <a:blip r:embed="rId2"/>
-          <a:stretch>
-            <a:fillRect/>
-          </a:stretch>
-        </p:blipFill>
-        <p:spPr>
-          <a:xfrm>
-            <a:off x="6465456" y="4433016"/>
-            <a:ext cx="546797" cy="803792"/>
-          </a:xfrm>
-          <a:prstGeom prst="rect">
-            <a:avLst/>
-          </a:prstGeom>
-        </p:spPr>
-      </p:pic>
-      <p:pic>
-        <p:nvPicPr>
-          <p:cNvPr id="34" name="Picture 33"/>
-          <p:cNvPicPr>
-            <a:picLocks noChangeAspect="1"/>
-          </p:cNvPicPr>
-          <p:nvPr/>
-        </p:nvPicPr>
-        <p:blipFill>
-          <a:blip r:embed="rId4"/>
-          <a:stretch>
-            <a:fillRect/>
-          </a:stretch>
-        </p:blipFill>
-        <p:spPr>
-          <a:xfrm>
-            <a:off x="7209751" y="4439557"/>
-            <a:ext cx="393694" cy="798324"/>
-          </a:xfrm>
-          <a:prstGeom prst="rect">
-            <a:avLst/>
-          </a:prstGeom>
-        </p:spPr>
-      </p:pic>
-      <p:pic>
-        <p:nvPicPr>
-          <p:cNvPr id="37" name="Picture 36"/>
-          <p:cNvPicPr>
-            <a:picLocks noChangeAspect="1"/>
-          </p:cNvPicPr>
-          <p:nvPr/>
-        </p:nvPicPr>
-        <p:blipFill>
-          <a:blip r:embed="rId3"/>
-          <a:stretch>
-            <a:fillRect/>
-          </a:stretch>
-        </p:blipFill>
-        <p:spPr>
-          <a:xfrm>
-            <a:off x="7865184" y="4478676"/>
-            <a:ext cx="486649" cy="770984"/>
-          </a:xfrm>
-          <a:prstGeom prst="rect">
-            <a:avLst/>
-          </a:prstGeom>
-        </p:spPr>
-      </p:pic>
-      <p:pic>
-        <p:nvPicPr>
-          <p:cNvPr id="38" name="Picture 37"/>
-          <p:cNvPicPr>
-            <a:picLocks noChangeAspect="1"/>
-          </p:cNvPicPr>
-          <p:nvPr/>
-        </p:nvPicPr>
-        <p:blipFill>
-          <a:blip r:embed="rId7"/>
-          <a:stretch>
-            <a:fillRect/>
-          </a:stretch>
-        </p:blipFill>
-        <p:spPr>
-          <a:xfrm>
-            <a:off x="8435073" y="4446155"/>
-            <a:ext cx="322611" cy="874876"/>
-          </a:xfrm>
-          <a:prstGeom prst="rect">
-            <a:avLst/>
-          </a:prstGeom>
-        </p:spPr>
-      </p:pic>
-      <p:pic>
-        <p:nvPicPr>
-          <p:cNvPr id="39" name="Picture 38"/>
-          <p:cNvPicPr>
-            <a:picLocks noChangeAspect="1"/>
-          </p:cNvPicPr>
-          <p:nvPr/>
-        </p:nvPicPr>
-        <p:blipFill>
-          <a:blip r:embed="rId8"/>
-          <a:stretch>
-            <a:fillRect/>
-          </a:stretch>
-        </p:blipFill>
-        <p:spPr>
-          <a:xfrm>
-            <a:off x="6783732" y="5674107"/>
-            <a:ext cx="546797" cy="803792"/>
-          </a:xfrm>
-          <a:prstGeom prst="rect">
-            <a:avLst/>
-          </a:prstGeom>
-        </p:spPr>
-      </p:pic>
-      <p:sp>
-        <p:nvSpPr>
-          <p:cNvPr id="41" name="TextBox 40"/>
-          <p:cNvSpPr txBox="1"/>
-          <p:nvPr/>
-        </p:nvSpPr>
-        <p:spPr>
-          <a:xfrm>
-            <a:off x="6579695" y="3841750"/>
-            <a:ext cx="2389059" cy="369332"/>
-          </a:xfrm>
-          <a:prstGeom prst="rect">
-            <a:avLst/>
-          </a:prstGeom>
-          <a:noFill/>
-        </p:spPr>
-        <p:txBody>
-          <a:bodyPr wrap="square" rtlCol="0">
-            <a:spAutoFit/>
-          </a:bodyPr>
-          <a:lstStyle/>
-          <a:p>
-            <a:r>
-              <a:rPr lang="en-US" dirty="0" smtClean="0"/>
-              <a:t>Similarity by costume</a:t>
-            </a:r>
-            <a:endParaRPr lang="en-US" dirty="0"/>
-          </a:p>
-        </p:txBody>
-      </p:sp>
-      <p:pic>
-        <p:nvPicPr>
-          <p:cNvPr id="42" name="Picture 41"/>
-          <p:cNvPicPr>
-            <a:picLocks noChangeAspect="1"/>
-          </p:cNvPicPr>
-          <p:nvPr/>
-        </p:nvPicPr>
-        <p:blipFill>
-          <a:blip r:embed="rId5"/>
-          <a:stretch>
-            <a:fillRect/>
-          </a:stretch>
-        </p:blipFill>
-        <p:spPr>
-          <a:xfrm>
-            <a:off x="7479481" y="5728787"/>
-            <a:ext cx="453842" cy="749112"/>
-          </a:xfrm>
-          <a:prstGeom prst="rect">
-            <a:avLst/>
-          </a:prstGeom>
-        </p:spPr>
-      </p:pic>
-      <p:pic>
-        <p:nvPicPr>
-          <p:cNvPr id="43" name="Picture 42"/>
-          <p:cNvPicPr>
-            <a:picLocks noChangeAspect="1"/>
-          </p:cNvPicPr>
-          <p:nvPr/>
-        </p:nvPicPr>
-        <p:blipFill>
-          <a:blip r:embed="rId6"/>
-          <a:stretch>
-            <a:fillRect/>
-          </a:stretch>
-        </p:blipFill>
-        <p:spPr>
-          <a:xfrm>
-            <a:off x="8132011" y="5708599"/>
-            <a:ext cx="415566" cy="760048"/>
-          </a:xfrm>
-          <a:prstGeom prst="rect">
-            <a:avLst/>
-          </a:prstGeom>
-        </p:spPr>
-      </p:pic>
-      <p:pic>
-        <p:nvPicPr>
-          <p:cNvPr id="44" name="Picture 43"/>
-          <p:cNvPicPr>
-            <a:picLocks noChangeAspect="1"/>
-          </p:cNvPicPr>
-          <p:nvPr/>
-        </p:nvPicPr>
-        <p:blipFill>
-          <a:blip r:embed="rId2"/>
-          <a:stretch>
-            <a:fillRect/>
-          </a:stretch>
-        </p:blipFill>
-        <p:spPr>
-          <a:xfrm>
-            <a:off x="3732366" y="4357818"/>
-            <a:ext cx="546797" cy="803792"/>
-          </a:xfrm>
-          <a:prstGeom prst="rect">
-            <a:avLst/>
-          </a:prstGeom>
-        </p:spPr>
-      </p:pic>
-      <p:pic>
-        <p:nvPicPr>
-          <p:cNvPr id="45" name="Picture 44"/>
-          <p:cNvPicPr>
-            <a:picLocks noChangeAspect="1"/>
-          </p:cNvPicPr>
-          <p:nvPr/>
-        </p:nvPicPr>
-        <p:blipFill>
-          <a:blip r:embed="rId4"/>
-          <a:stretch>
-            <a:fillRect/>
-          </a:stretch>
-        </p:blipFill>
-        <p:spPr>
-          <a:xfrm>
-            <a:off x="3201839" y="5538468"/>
-            <a:ext cx="393694" cy="798324"/>
-          </a:xfrm>
-          <a:prstGeom prst="rect">
-            <a:avLst/>
-          </a:prstGeom>
-        </p:spPr>
-      </p:pic>
-      <p:pic>
-        <p:nvPicPr>
-          <p:cNvPr id="46" name="Picture 45"/>
-          <p:cNvPicPr>
-            <a:picLocks noChangeAspect="1"/>
-          </p:cNvPicPr>
-          <p:nvPr/>
-        </p:nvPicPr>
-        <p:blipFill>
-          <a:blip r:embed="rId5"/>
-          <a:stretch>
-            <a:fillRect/>
-          </a:stretch>
-        </p:blipFill>
-        <p:spPr>
-          <a:xfrm>
-            <a:off x="4339529" y="4385158"/>
-            <a:ext cx="453842" cy="749112"/>
-          </a:xfrm>
-          <a:prstGeom prst="rect">
-            <a:avLst/>
-          </a:prstGeom>
-        </p:spPr>
-      </p:pic>
-      <p:pic>
-        <p:nvPicPr>
-          <p:cNvPr id="47" name="Picture 46"/>
-          <p:cNvPicPr>
-            <a:picLocks noChangeAspect="1"/>
-          </p:cNvPicPr>
-          <p:nvPr/>
-        </p:nvPicPr>
-        <p:blipFill>
-          <a:blip r:embed="rId6"/>
-          <a:stretch>
-            <a:fillRect/>
-          </a:stretch>
-        </p:blipFill>
-        <p:spPr>
-          <a:xfrm>
-            <a:off x="4566450" y="5292083"/>
-            <a:ext cx="415566" cy="760048"/>
-          </a:xfrm>
-          <a:prstGeom prst="rect">
-            <a:avLst/>
-          </a:prstGeom>
-        </p:spPr>
-      </p:pic>
-      <p:pic>
-        <p:nvPicPr>
-          <p:cNvPr id="48" name="Picture 47"/>
-          <p:cNvPicPr>
-            <a:picLocks noChangeAspect="1"/>
-          </p:cNvPicPr>
-          <p:nvPr/>
-        </p:nvPicPr>
-        <p:blipFill>
-          <a:blip r:embed="rId3"/>
-          <a:stretch>
-            <a:fillRect/>
-          </a:stretch>
-        </p:blipFill>
-        <p:spPr>
-          <a:xfrm>
-            <a:off x="3660554" y="5591412"/>
-            <a:ext cx="486649" cy="770984"/>
-          </a:xfrm>
-          <a:prstGeom prst="rect">
-            <a:avLst/>
-          </a:prstGeom>
-        </p:spPr>
-      </p:pic>
-      <p:pic>
-        <p:nvPicPr>
-          <p:cNvPr id="49" name="Picture 48"/>
-          <p:cNvPicPr>
-            <a:picLocks noChangeAspect="1"/>
-          </p:cNvPicPr>
-          <p:nvPr/>
-        </p:nvPicPr>
-        <p:blipFill>
-          <a:blip r:embed="rId7"/>
-          <a:stretch>
-            <a:fillRect/>
-          </a:stretch>
-        </p:blipFill>
-        <p:spPr>
-          <a:xfrm>
-            <a:off x="4845655" y="4315030"/>
-            <a:ext cx="322611" cy="874876"/>
-          </a:xfrm>
-          <a:prstGeom prst="rect">
-            <a:avLst/>
-          </a:prstGeom>
-        </p:spPr>
-      </p:pic>
-      <p:pic>
-        <p:nvPicPr>
-          <p:cNvPr id="50" name="Picture 49"/>
-          <p:cNvPicPr>
-            <a:picLocks noChangeAspect="1"/>
-          </p:cNvPicPr>
-          <p:nvPr/>
-        </p:nvPicPr>
-        <p:blipFill>
-          <a:blip r:embed="rId8"/>
-          <a:stretch>
-            <a:fillRect/>
-          </a:stretch>
-        </p:blipFill>
-        <p:spPr>
-          <a:xfrm>
-            <a:off x="5382757" y="5612999"/>
-            <a:ext cx="546797" cy="803792"/>
-          </a:xfrm>
-          <a:prstGeom prst="rect">
-            <a:avLst/>
-          </a:prstGeom>
-        </p:spPr>
-      </p:pic>
-      <p:sp>
-        <p:nvSpPr>
-          <p:cNvPr id="52" name="TextBox 51"/>
-          <p:cNvSpPr txBox="1"/>
-          <p:nvPr/>
-        </p:nvSpPr>
-        <p:spPr>
-          <a:xfrm>
-            <a:off x="3127780" y="3836988"/>
-            <a:ext cx="2877340" cy="369332"/>
-          </a:xfrm>
-          <a:prstGeom prst="rect">
-            <a:avLst/>
-          </a:prstGeom>
-          <a:noFill/>
-        </p:spPr>
-        <p:txBody>
-          <a:bodyPr wrap="square" rtlCol="0">
-            <a:spAutoFit/>
-          </a:bodyPr>
-          <a:lstStyle/>
-          <a:p>
-            <a:r>
-              <a:rPr lang="en-US" dirty="0" smtClean="0"/>
-              <a:t>Similarity by source of ability</a:t>
-            </a:r>
-            <a:endParaRPr lang="en-US" dirty="0"/>
-          </a:p>
-        </p:txBody>
-      </p:sp>
       <p:sp>
         <p:nvSpPr>
           <p:cNvPr id="53" name="TextBox 52"/>
@@ -20260,7 +21297,7 @@
                   <a:srgbClr val="FF0000"/>
                 </a:solidFill>
               </a:rPr>
-              <a:t>Similarity metric is important!</a:t>
+              <a:t>Distance metric is important!</a:t>
             </a:r>
             <a:endParaRPr lang="en-US" sz="2800" b="1" dirty="0">
               <a:solidFill>
@@ -20270,6 +21307,985 @@
           </a:p>
         </p:txBody>
       </p:sp>
+      <p:grpSp>
+        <p:nvGrpSpPr>
+          <p:cNvPr id="9" name="Group 8"/>
+          <p:cNvGrpSpPr/>
+          <p:nvPr/>
+        </p:nvGrpSpPr>
+        <p:grpSpPr>
+          <a:xfrm>
+            <a:off x="438246" y="3836988"/>
+            <a:ext cx="2346518" cy="2547450"/>
+            <a:chOff x="438246" y="3836988"/>
+            <a:chExt cx="2346518" cy="2547450"/>
+          </a:xfrm>
+        </p:grpSpPr>
+        <p:pic>
+          <p:nvPicPr>
+            <p:cNvPr id="17" name="Picture 16"/>
+            <p:cNvPicPr>
+              <a:picLocks noChangeAspect="1"/>
+            </p:cNvPicPr>
+            <p:nvPr/>
+          </p:nvPicPr>
+          <p:blipFill>
+            <a:blip r:embed="rId2"/>
+            <a:stretch>
+              <a:fillRect/>
+            </a:stretch>
+          </p:blipFill>
+          <p:spPr>
+            <a:xfrm>
+              <a:off x="438246" y="4340146"/>
+              <a:ext cx="546797" cy="803792"/>
+            </a:xfrm>
+            <a:prstGeom prst="rect">
+              <a:avLst/>
+            </a:prstGeom>
+          </p:spPr>
+        </p:pic>
+        <p:pic>
+          <p:nvPicPr>
+            <p:cNvPr id="18" name="Picture 17"/>
+            <p:cNvPicPr>
+              <a:picLocks noChangeAspect="1"/>
+            </p:cNvPicPr>
+            <p:nvPr/>
+          </p:nvPicPr>
+          <p:blipFill>
+            <a:blip r:embed="rId4"/>
+            <a:stretch>
+              <a:fillRect/>
+            </a:stretch>
+          </p:blipFill>
+          <p:spPr>
+            <a:xfrm>
+              <a:off x="1182541" y="4346687"/>
+              <a:ext cx="393694" cy="798324"/>
+            </a:xfrm>
+            <a:prstGeom prst="rect">
+              <a:avLst/>
+            </a:prstGeom>
+          </p:spPr>
+        </p:pic>
+        <p:pic>
+          <p:nvPicPr>
+            <p:cNvPr id="19" name="Picture 18"/>
+            <p:cNvPicPr>
+              <a:picLocks noChangeAspect="1"/>
+            </p:cNvPicPr>
+            <p:nvPr/>
+          </p:nvPicPr>
+          <p:blipFill>
+            <a:blip r:embed="rId5"/>
+            <a:stretch>
+              <a:fillRect/>
+            </a:stretch>
+          </p:blipFill>
+          <p:spPr>
+            <a:xfrm>
+              <a:off x="1703554" y="4394826"/>
+              <a:ext cx="453842" cy="749112"/>
+            </a:xfrm>
+            <a:prstGeom prst="rect">
+              <a:avLst/>
+            </a:prstGeom>
+          </p:spPr>
+        </p:pic>
+        <p:pic>
+          <p:nvPicPr>
+            <p:cNvPr id="20" name="Picture 19"/>
+            <p:cNvPicPr>
+              <a:picLocks noChangeAspect="1"/>
+            </p:cNvPicPr>
+            <p:nvPr/>
+          </p:nvPicPr>
+          <p:blipFill>
+            <a:blip r:embed="rId6"/>
+            <a:stretch>
+              <a:fillRect/>
+            </a:stretch>
+          </p:blipFill>
+          <p:spPr>
+            <a:xfrm>
+              <a:off x="2284715" y="4394826"/>
+              <a:ext cx="415566" cy="760048"/>
+            </a:xfrm>
+            <a:prstGeom prst="rect">
+              <a:avLst/>
+            </a:prstGeom>
+          </p:spPr>
+        </p:pic>
+        <p:pic>
+          <p:nvPicPr>
+            <p:cNvPr id="21" name="Picture 20"/>
+            <p:cNvPicPr>
+              <a:picLocks noChangeAspect="1"/>
+            </p:cNvPicPr>
+            <p:nvPr/>
+          </p:nvPicPr>
+          <p:blipFill>
+            <a:blip r:embed="rId3"/>
+            <a:stretch>
+              <a:fillRect/>
+            </a:stretch>
+          </p:blipFill>
+          <p:spPr>
+            <a:xfrm>
+              <a:off x="748315" y="5542083"/>
+              <a:ext cx="486649" cy="770984"/>
+            </a:xfrm>
+            <a:prstGeom prst="rect">
+              <a:avLst/>
+            </a:prstGeom>
+          </p:spPr>
+        </p:pic>
+        <p:pic>
+          <p:nvPicPr>
+            <p:cNvPr id="22" name="Picture 21"/>
+            <p:cNvPicPr>
+              <a:picLocks noChangeAspect="1"/>
+            </p:cNvPicPr>
+            <p:nvPr/>
+          </p:nvPicPr>
+          <p:blipFill>
+            <a:blip r:embed="rId7"/>
+            <a:stretch>
+              <a:fillRect/>
+            </a:stretch>
+          </p:blipFill>
+          <p:spPr>
+            <a:xfrm>
+              <a:off x="1318204" y="5509562"/>
+              <a:ext cx="322611" cy="874876"/>
+            </a:xfrm>
+            <a:prstGeom prst="rect">
+              <a:avLst/>
+            </a:prstGeom>
+          </p:spPr>
+        </p:pic>
+        <p:pic>
+          <p:nvPicPr>
+            <p:cNvPr id="23" name="Picture 22"/>
+            <p:cNvPicPr>
+              <a:picLocks noChangeAspect="1"/>
+            </p:cNvPicPr>
+            <p:nvPr/>
+          </p:nvPicPr>
+          <p:blipFill>
+            <a:blip r:embed="rId8"/>
+            <a:stretch>
+              <a:fillRect/>
+            </a:stretch>
+          </p:blipFill>
+          <p:spPr>
+            <a:xfrm>
+              <a:off x="1750851" y="5515646"/>
+              <a:ext cx="546797" cy="803792"/>
+            </a:xfrm>
+            <a:prstGeom prst="rect">
+              <a:avLst/>
+            </a:prstGeom>
+          </p:spPr>
+        </p:pic>
+        <p:sp>
+          <p:nvSpPr>
+            <p:cNvPr id="32" name="TextBox 31"/>
+            <p:cNvSpPr txBox="1"/>
+            <p:nvPr/>
+          </p:nvSpPr>
+          <p:spPr>
+            <a:xfrm>
+              <a:off x="559479" y="3836988"/>
+              <a:ext cx="2092411" cy="369332"/>
+            </a:xfrm>
+            <a:prstGeom prst="rect">
+              <a:avLst/>
+            </a:prstGeom>
+            <a:noFill/>
+          </p:spPr>
+          <p:txBody>
+            <a:bodyPr wrap="square" rtlCol="0">
+              <a:spAutoFit/>
+            </a:bodyPr>
+            <a:lstStyle/>
+            <a:p>
+              <a:r>
+                <a:rPr lang="en-US" dirty="0" smtClean="0"/>
+                <a:t>group by </a:t>
+              </a:r>
+              <a:r>
+                <a:rPr lang="en-US" dirty="0" smtClean="0"/>
+                <a:t>gender</a:t>
+              </a:r>
+              <a:endParaRPr lang="en-US" dirty="0"/>
+            </a:p>
+          </p:txBody>
+        </p:sp>
+        <p:sp>
+          <p:nvSpPr>
+            <p:cNvPr id="3" name="Rectangle 2"/>
+            <p:cNvSpPr/>
+            <p:nvPr/>
+          </p:nvSpPr>
+          <p:spPr>
+            <a:xfrm>
+              <a:off x="438246" y="4315030"/>
+              <a:ext cx="2346518" cy="874876"/>
+            </a:xfrm>
+            <a:prstGeom prst="rect">
+              <a:avLst/>
+            </a:prstGeom>
+            <a:noFill/>
+          </p:spPr>
+          <p:style>
+            <a:lnRef idx="2">
+              <a:schemeClr val="accent1">
+                <a:shade val="50000"/>
+              </a:schemeClr>
+            </a:lnRef>
+            <a:fillRef idx="1">
+              <a:schemeClr val="accent1"/>
+            </a:fillRef>
+            <a:effectRef idx="0">
+              <a:schemeClr val="accent1"/>
+            </a:effectRef>
+            <a:fontRef idx="minor">
+              <a:schemeClr val="lt1"/>
+            </a:fontRef>
+          </p:style>
+          <p:txBody>
+            <a:bodyPr rtlCol="0" anchor="ctr"/>
+            <a:lstStyle/>
+            <a:p>
+              <a:pPr algn="ctr"/>
+              <a:endParaRPr lang="en-US"/>
+            </a:p>
+          </p:txBody>
+        </p:sp>
+        <p:sp>
+          <p:nvSpPr>
+            <p:cNvPr id="40" name="Rectangle 39"/>
+            <p:cNvSpPr/>
+            <p:nvPr/>
+          </p:nvSpPr>
+          <p:spPr>
+            <a:xfrm>
+              <a:off x="656633" y="5509562"/>
+              <a:ext cx="1691028" cy="874876"/>
+            </a:xfrm>
+            <a:prstGeom prst="rect">
+              <a:avLst/>
+            </a:prstGeom>
+            <a:noFill/>
+          </p:spPr>
+          <p:style>
+            <a:lnRef idx="2">
+              <a:schemeClr val="accent1">
+                <a:shade val="50000"/>
+              </a:schemeClr>
+            </a:lnRef>
+            <a:fillRef idx="1">
+              <a:schemeClr val="accent1"/>
+            </a:fillRef>
+            <a:effectRef idx="0">
+              <a:schemeClr val="accent1"/>
+            </a:effectRef>
+            <a:fontRef idx="minor">
+              <a:schemeClr val="lt1"/>
+            </a:fontRef>
+          </p:style>
+          <p:txBody>
+            <a:bodyPr rtlCol="0" anchor="ctr"/>
+            <a:lstStyle/>
+            <a:p>
+              <a:pPr algn="ctr"/>
+              <a:endParaRPr lang="en-US"/>
+            </a:p>
+          </p:txBody>
+        </p:sp>
+      </p:grpSp>
+      <p:grpSp>
+        <p:nvGrpSpPr>
+          <p:cNvPr id="14" name="Group 13"/>
+          <p:cNvGrpSpPr/>
+          <p:nvPr/>
+        </p:nvGrpSpPr>
+        <p:grpSpPr>
+          <a:xfrm>
+            <a:off x="3111872" y="3836988"/>
+            <a:ext cx="2893248" cy="2602198"/>
+            <a:chOff x="3111872" y="3836988"/>
+            <a:chExt cx="2893248" cy="2602198"/>
+          </a:xfrm>
+        </p:grpSpPr>
+        <p:pic>
+          <p:nvPicPr>
+            <p:cNvPr id="44" name="Picture 43"/>
+            <p:cNvPicPr>
+              <a:picLocks noChangeAspect="1"/>
+            </p:cNvPicPr>
+            <p:nvPr/>
+          </p:nvPicPr>
+          <p:blipFill>
+            <a:blip r:embed="rId2"/>
+            <a:stretch>
+              <a:fillRect/>
+            </a:stretch>
+          </p:blipFill>
+          <p:spPr>
+            <a:xfrm>
+              <a:off x="3732366" y="4357818"/>
+              <a:ext cx="546797" cy="803792"/>
+            </a:xfrm>
+            <a:prstGeom prst="rect">
+              <a:avLst/>
+            </a:prstGeom>
+          </p:spPr>
+        </p:pic>
+        <p:pic>
+          <p:nvPicPr>
+            <p:cNvPr id="45" name="Picture 44"/>
+            <p:cNvPicPr>
+              <a:picLocks noChangeAspect="1"/>
+            </p:cNvPicPr>
+            <p:nvPr/>
+          </p:nvPicPr>
+          <p:blipFill>
+            <a:blip r:embed="rId4"/>
+            <a:stretch>
+              <a:fillRect/>
+            </a:stretch>
+          </p:blipFill>
+          <p:spPr>
+            <a:xfrm>
+              <a:off x="3201839" y="5538468"/>
+              <a:ext cx="393694" cy="798324"/>
+            </a:xfrm>
+            <a:prstGeom prst="rect">
+              <a:avLst/>
+            </a:prstGeom>
+          </p:spPr>
+        </p:pic>
+        <p:pic>
+          <p:nvPicPr>
+            <p:cNvPr id="46" name="Picture 45"/>
+            <p:cNvPicPr>
+              <a:picLocks noChangeAspect="1"/>
+            </p:cNvPicPr>
+            <p:nvPr/>
+          </p:nvPicPr>
+          <p:blipFill>
+            <a:blip r:embed="rId5"/>
+            <a:stretch>
+              <a:fillRect/>
+            </a:stretch>
+          </p:blipFill>
+          <p:spPr>
+            <a:xfrm>
+              <a:off x="4339529" y="4385158"/>
+              <a:ext cx="453842" cy="749112"/>
+            </a:xfrm>
+            <a:prstGeom prst="rect">
+              <a:avLst/>
+            </a:prstGeom>
+          </p:spPr>
+        </p:pic>
+        <p:pic>
+          <p:nvPicPr>
+            <p:cNvPr id="47" name="Picture 46"/>
+            <p:cNvPicPr>
+              <a:picLocks noChangeAspect="1"/>
+            </p:cNvPicPr>
+            <p:nvPr/>
+          </p:nvPicPr>
+          <p:blipFill>
+            <a:blip r:embed="rId6"/>
+            <a:stretch>
+              <a:fillRect/>
+            </a:stretch>
+          </p:blipFill>
+          <p:spPr>
+            <a:xfrm>
+              <a:off x="4566450" y="5292083"/>
+              <a:ext cx="415566" cy="760048"/>
+            </a:xfrm>
+            <a:prstGeom prst="rect">
+              <a:avLst/>
+            </a:prstGeom>
+          </p:spPr>
+        </p:pic>
+        <p:pic>
+          <p:nvPicPr>
+            <p:cNvPr id="48" name="Picture 47"/>
+            <p:cNvPicPr>
+              <a:picLocks noChangeAspect="1"/>
+            </p:cNvPicPr>
+            <p:nvPr/>
+          </p:nvPicPr>
+          <p:blipFill>
+            <a:blip r:embed="rId3"/>
+            <a:stretch>
+              <a:fillRect/>
+            </a:stretch>
+          </p:blipFill>
+          <p:spPr>
+            <a:xfrm>
+              <a:off x="3660554" y="5591412"/>
+              <a:ext cx="486649" cy="770984"/>
+            </a:xfrm>
+            <a:prstGeom prst="rect">
+              <a:avLst/>
+            </a:prstGeom>
+          </p:spPr>
+        </p:pic>
+        <p:pic>
+          <p:nvPicPr>
+            <p:cNvPr id="49" name="Picture 48"/>
+            <p:cNvPicPr>
+              <a:picLocks noChangeAspect="1"/>
+            </p:cNvPicPr>
+            <p:nvPr/>
+          </p:nvPicPr>
+          <p:blipFill>
+            <a:blip r:embed="rId7"/>
+            <a:stretch>
+              <a:fillRect/>
+            </a:stretch>
+          </p:blipFill>
+          <p:spPr>
+            <a:xfrm>
+              <a:off x="4845655" y="4315030"/>
+              <a:ext cx="322611" cy="874876"/>
+            </a:xfrm>
+            <a:prstGeom prst="rect">
+              <a:avLst/>
+            </a:prstGeom>
+          </p:spPr>
+        </p:pic>
+        <p:pic>
+          <p:nvPicPr>
+            <p:cNvPr id="50" name="Picture 49"/>
+            <p:cNvPicPr>
+              <a:picLocks noChangeAspect="1"/>
+            </p:cNvPicPr>
+            <p:nvPr/>
+          </p:nvPicPr>
+          <p:blipFill>
+            <a:blip r:embed="rId8"/>
+            <a:stretch>
+              <a:fillRect/>
+            </a:stretch>
+          </p:blipFill>
+          <p:spPr>
+            <a:xfrm>
+              <a:off x="5382757" y="5612999"/>
+              <a:ext cx="546797" cy="803792"/>
+            </a:xfrm>
+            <a:prstGeom prst="rect">
+              <a:avLst/>
+            </a:prstGeom>
+          </p:spPr>
+        </p:pic>
+        <p:sp>
+          <p:nvSpPr>
+            <p:cNvPr id="52" name="TextBox 51"/>
+            <p:cNvSpPr txBox="1"/>
+            <p:nvPr/>
+          </p:nvSpPr>
+          <p:spPr>
+            <a:xfrm>
+              <a:off x="3127780" y="3836988"/>
+              <a:ext cx="2877340" cy="369332"/>
+            </a:xfrm>
+            <a:prstGeom prst="rect">
+              <a:avLst/>
+            </a:prstGeom>
+            <a:noFill/>
+          </p:spPr>
+          <p:txBody>
+            <a:bodyPr wrap="square" rtlCol="0">
+              <a:spAutoFit/>
+            </a:bodyPr>
+            <a:lstStyle/>
+            <a:p>
+              <a:r>
+                <a:rPr lang="en-US" dirty="0" smtClean="0"/>
+                <a:t>group by </a:t>
+              </a:r>
+              <a:r>
+                <a:rPr lang="en-US" dirty="0" smtClean="0"/>
+                <a:t>source of ability</a:t>
+              </a:r>
+              <a:endParaRPr lang="en-US" dirty="0"/>
+            </a:p>
+          </p:txBody>
+        </p:sp>
+        <p:sp>
+          <p:nvSpPr>
+            <p:cNvPr id="51" name="Rectangle 50"/>
+            <p:cNvSpPr/>
+            <p:nvPr/>
+          </p:nvSpPr>
+          <p:spPr>
+            <a:xfrm>
+              <a:off x="3637695" y="4322276"/>
+              <a:ext cx="1745062" cy="874876"/>
+            </a:xfrm>
+            <a:prstGeom prst="rect">
+              <a:avLst/>
+            </a:prstGeom>
+            <a:noFill/>
+          </p:spPr>
+          <p:style>
+            <a:lnRef idx="2">
+              <a:schemeClr val="accent1">
+                <a:shade val="50000"/>
+              </a:schemeClr>
+            </a:lnRef>
+            <a:fillRef idx="1">
+              <a:schemeClr val="accent1"/>
+            </a:fillRef>
+            <a:effectRef idx="0">
+              <a:schemeClr val="accent1"/>
+            </a:effectRef>
+            <a:fontRef idx="minor">
+              <a:schemeClr val="lt1"/>
+            </a:fontRef>
+          </p:style>
+          <p:txBody>
+            <a:bodyPr rtlCol="0" anchor="ctr"/>
+            <a:lstStyle/>
+            <a:p>
+              <a:pPr algn="ctr"/>
+              <a:endParaRPr lang="en-US"/>
+            </a:p>
+          </p:txBody>
+        </p:sp>
+        <p:sp>
+          <p:nvSpPr>
+            <p:cNvPr id="55" name="Rectangle 54"/>
+            <p:cNvSpPr/>
+            <p:nvPr/>
+          </p:nvSpPr>
+          <p:spPr>
+            <a:xfrm>
+              <a:off x="5362755" y="5564310"/>
+              <a:ext cx="619495" cy="874876"/>
+            </a:xfrm>
+            <a:prstGeom prst="rect">
+              <a:avLst/>
+            </a:prstGeom>
+            <a:noFill/>
+          </p:spPr>
+          <p:style>
+            <a:lnRef idx="2">
+              <a:schemeClr val="accent1">
+                <a:shade val="50000"/>
+              </a:schemeClr>
+            </a:lnRef>
+            <a:fillRef idx="1">
+              <a:schemeClr val="accent1"/>
+            </a:fillRef>
+            <a:effectRef idx="0">
+              <a:schemeClr val="accent1"/>
+            </a:effectRef>
+            <a:fontRef idx="minor">
+              <a:schemeClr val="lt1"/>
+            </a:fontRef>
+          </p:style>
+          <p:txBody>
+            <a:bodyPr rtlCol="0" anchor="ctr"/>
+            <a:lstStyle/>
+            <a:p>
+              <a:pPr algn="ctr"/>
+              <a:endParaRPr lang="en-US"/>
+            </a:p>
+          </p:txBody>
+        </p:sp>
+        <p:sp>
+          <p:nvSpPr>
+            <p:cNvPr id="56" name="Rectangle 55"/>
+            <p:cNvSpPr/>
+            <p:nvPr/>
+          </p:nvSpPr>
+          <p:spPr>
+            <a:xfrm>
+              <a:off x="3111872" y="5535893"/>
+              <a:ext cx="1105012" cy="874876"/>
+            </a:xfrm>
+            <a:prstGeom prst="rect">
+              <a:avLst/>
+            </a:prstGeom>
+            <a:noFill/>
+          </p:spPr>
+          <p:style>
+            <a:lnRef idx="2">
+              <a:schemeClr val="accent1">
+                <a:shade val="50000"/>
+              </a:schemeClr>
+            </a:lnRef>
+            <a:fillRef idx="1">
+              <a:schemeClr val="accent1"/>
+            </a:fillRef>
+            <a:effectRef idx="0">
+              <a:schemeClr val="accent1"/>
+            </a:effectRef>
+            <a:fontRef idx="minor">
+              <a:schemeClr val="lt1"/>
+            </a:fontRef>
+          </p:style>
+          <p:txBody>
+            <a:bodyPr rtlCol="0" anchor="ctr"/>
+            <a:lstStyle/>
+            <a:p>
+              <a:pPr algn="ctr"/>
+              <a:endParaRPr lang="en-US"/>
+            </a:p>
+          </p:txBody>
+        </p:sp>
+        <p:sp>
+          <p:nvSpPr>
+            <p:cNvPr id="57" name="Rectangle 56"/>
+            <p:cNvSpPr/>
+            <p:nvPr/>
+          </p:nvSpPr>
+          <p:spPr>
+            <a:xfrm>
+              <a:off x="4527941" y="5245425"/>
+              <a:ext cx="565931" cy="874876"/>
+            </a:xfrm>
+            <a:prstGeom prst="rect">
+              <a:avLst/>
+            </a:prstGeom>
+            <a:noFill/>
+          </p:spPr>
+          <p:style>
+            <a:lnRef idx="2">
+              <a:schemeClr val="accent1">
+                <a:shade val="50000"/>
+              </a:schemeClr>
+            </a:lnRef>
+            <a:fillRef idx="1">
+              <a:schemeClr val="accent1"/>
+            </a:fillRef>
+            <a:effectRef idx="0">
+              <a:schemeClr val="accent1"/>
+            </a:effectRef>
+            <a:fontRef idx="minor">
+              <a:schemeClr val="lt1"/>
+            </a:fontRef>
+          </p:style>
+          <p:txBody>
+            <a:bodyPr rtlCol="0" anchor="ctr"/>
+            <a:lstStyle/>
+            <a:p>
+              <a:pPr algn="ctr"/>
+              <a:endParaRPr lang="en-US"/>
+            </a:p>
+          </p:txBody>
+        </p:sp>
+      </p:grpSp>
+      <p:grpSp>
+        <p:nvGrpSpPr>
+          <p:cNvPr id="24" name="Group 23"/>
+          <p:cNvGrpSpPr/>
+          <p:nvPr/>
+        </p:nvGrpSpPr>
+        <p:grpSpPr>
+          <a:xfrm>
+            <a:off x="6465455" y="3841750"/>
+            <a:ext cx="2503299" cy="2648764"/>
+            <a:chOff x="6465455" y="3841750"/>
+            <a:chExt cx="2503299" cy="2648764"/>
+          </a:xfrm>
+        </p:grpSpPr>
+        <p:pic>
+          <p:nvPicPr>
+            <p:cNvPr id="33" name="Picture 32"/>
+            <p:cNvPicPr>
+              <a:picLocks noChangeAspect="1"/>
+            </p:cNvPicPr>
+            <p:nvPr/>
+          </p:nvPicPr>
+          <p:blipFill>
+            <a:blip r:embed="rId2"/>
+            <a:stretch>
+              <a:fillRect/>
+            </a:stretch>
+          </p:blipFill>
+          <p:spPr>
+            <a:xfrm>
+              <a:off x="6465456" y="4433016"/>
+              <a:ext cx="546797" cy="803792"/>
+            </a:xfrm>
+            <a:prstGeom prst="rect">
+              <a:avLst/>
+            </a:prstGeom>
+          </p:spPr>
+        </p:pic>
+        <p:pic>
+          <p:nvPicPr>
+            <p:cNvPr id="34" name="Picture 33"/>
+            <p:cNvPicPr>
+              <a:picLocks noChangeAspect="1"/>
+            </p:cNvPicPr>
+            <p:nvPr/>
+          </p:nvPicPr>
+          <p:blipFill>
+            <a:blip r:embed="rId4"/>
+            <a:stretch>
+              <a:fillRect/>
+            </a:stretch>
+          </p:blipFill>
+          <p:spPr>
+            <a:xfrm>
+              <a:off x="7209751" y="4439557"/>
+              <a:ext cx="393694" cy="798324"/>
+            </a:xfrm>
+            <a:prstGeom prst="rect">
+              <a:avLst/>
+            </a:prstGeom>
+          </p:spPr>
+        </p:pic>
+        <p:pic>
+          <p:nvPicPr>
+            <p:cNvPr id="37" name="Picture 36"/>
+            <p:cNvPicPr>
+              <a:picLocks noChangeAspect="1"/>
+            </p:cNvPicPr>
+            <p:nvPr/>
+          </p:nvPicPr>
+          <p:blipFill>
+            <a:blip r:embed="rId3"/>
+            <a:stretch>
+              <a:fillRect/>
+            </a:stretch>
+          </p:blipFill>
+          <p:spPr>
+            <a:xfrm>
+              <a:off x="7865184" y="4478676"/>
+              <a:ext cx="486649" cy="770984"/>
+            </a:xfrm>
+            <a:prstGeom prst="rect">
+              <a:avLst/>
+            </a:prstGeom>
+          </p:spPr>
+        </p:pic>
+        <p:pic>
+          <p:nvPicPr>
+            <p:cNvPr id="38" name="Picture 37"/>
+            <p:cNvPicPr>
+              <a:picLocks noChangeAspect="1"/>
+            </p:cNvPicPr>
+            <p:nvPr/>
+          </p:nvPicPr>
+          <p:blipFill>
+            <a:blip r:embed="rId7"/>
+            <a:stretch>
+              <a:fillRect/>
+            </a:stretch>
+          </p:blipFill>
+          <p:spPr>
+            <a:xfrm>
+              <a:off x="8435073" y="4446155"/>
+              <a:ext cx="322611" cy="874876"/>
+            </a:xfrm>
+            <a:prstGeom prst="rect">
+              <a:avLst/>
+            </a:prstGeom>
+          </p:spPr>
+        </p:pic>
+        <p:pic>
+          <p:nvPicPr>
+            <p:cNvPr id="39" name="Picture 38"/>
+            <p:cNvPicPr>
+              <a:picLocks noChangeAspect="1"/>
+            </p:cNvPicPr>
+            <p:nvPr/>
+          </p:nvPicPr>
+          <p:blipFill>
+            <a:blip r:embed="rId8"/>
+            <a:stretch>
+              <a:fillRect/>
+            </a:stretch>
+          </p:blipFill>
+          <p:spPr>
+            <a:xfrm>
+              <a:off x="6783732" y="5674107"/>
+              <a:ext cx="546797" cy="803792"/>
+            </a:xfrm>
+            <a:prstGeom prst="rect">
+              <a:avLst/>
+            </a:prstGeom>
+          </p:spPr>
+        </p:pic>
+        <p:sp>
+          <p:nvSpPr>
+            <p:cNvPr id="41" name="TextBox 40"/>
+            <p:cNvSpPr txBox="1"/>
+            <p:nvPr/>
+          </p:nvSpPr>
+          <p:spPr>
+            <a:xfrm>
+              <a:off x="6579695" y="3841750"/>
+              <a:ext cx="2389059" cy="369332"/>
+            </a:xfrm>
+            <a:prstGeom prst="rect">
+              <a:avLst/>
+            </a:prstGeom>
+            <a:noFill/>
+          </p:spPr>
+          <p:txBody>
+            <a:bodyPr wrap="square" rtlCol="0">
+              <a:spAutoFit/>
+            </a:bodyPr>
+            <a:lstStyle/>
+            <a:p>
+              <a:r>
+                <a:rPr lang="en-US" dirty="0" smtClean="0"/>
+                <a:t>group by </a:t>
+              </a:r>
+              <a:r>
+                <a:rPr lang="en-US" dirty="0" smtClean="0"/>
+                <a:t>costume</a:t>
+              </a:r>
+              <a:endParaRPr lang="en-US" dirty="0"/>
+            </a:p>
+          </p:txBody>
+        </p:sp>
+        <p:pic>
+          <p:nvPicPr>
+            <p:cNvPr id="42" name="Picture 41"/>
+            <p:cNvPicPr>
+              <a:picLocks noChangeAspect="1"/>
+            </p:cNvPicPr>
+            <p:nvPr/>
+          </p:nvPicPr>
+          <p:blipFill>
+            <a:blip r:embed="rId5"/>
+            <a:stretch>
+              <a:fillRect/>
+            </a:stretch>
+          </p:blipFill>
+          <p:spPr>
+            <a:xfrm>
+              <a:off x="7479481" y="5728787"/>
+              <a:ext cx="453842" cy="749112"/>
+            </a:xfrm>
+            <a:prstGeom prst="rect">
+              <a:avLst/>
+            </a:prstGeom>
+          </p:spPr>
+        </p:pic>
+        <p:pic>
+          <p:nvPicPr>
+            <p:cNvPr id="43" name="Picture 42"/>
+            <p:cNvPicPr>
+              <a:picLocks noChangeAspect="1"/>
+            </p:cNvPicPr>
+            <p:nvPr/>
+          </p:nvPicPr>
+          <p:blipFill>
+            <a:blip r:embed="rId6"/>
+            <a:stretch>
+              <a:fillRect/>
+            </a:stretch>
+          </p:blipFill>
+          <p:spPr>
+            <a:xfrm>
+              <a:off x="8132011" y="5708599"/>
+              <a:ext cx="415566" cy="760048"/>
+            </a:xfrm>
+            <a:prstGeom prst="rect">
+              <a:avLst/>
+            </a:prstGeom>
+          </p:spPr>
+        </p:pic>
+        <p:sp>
+          <p:nvSpPr>
+            <p:cNvPr id="58" name="Rectangle 57"/>
+            <p:cNvSpPr/>
+            <p:nvPr/>
+          </p:nvSpPr>
+          <p:spPr>
+            <a:xfrm>
+              <a:off x="6465455" y="4401209"/>
+              <a:ext cx="2387599" cy="874876"/>
+            </a:xfrm>
+            <a:prstGeom prst="rect">
+              <a:avLst/>
+            </a:prstGeom>
+            <a:noFill/>
+          </p:spPr>
+          <p:style>
+            <a:lnRef idx="2">
+              <a:schemeClr val="accent1">
+                <a:shade val="50000"/>
+              </a:schemeClr>
+            </a:lnRef>
+            <a:fillRef idx="1">
+              <a:schemeClr val="accent1"/>
+            </a:fillRef>
+            <a:effectRef idx="0">
+              <a:schemeClr val="accent1"/>
+            </a:effectRef>
+            <a:fontRef idx="minor">
+              <a:schemeClr val="lt1"/>
+            </a:fontRef>
+          </p:style>
+          <p:txBody>
+            <a:bodyPr rtlCol="0" anchor="ctr"/>
+            <a:lstStyle/>
+            <a:p>
+              <a:pPr algn="ctr"/>
+              <a:endParaRPr lang="en-US"/>
+            </a:p>
+          </p:txBody>
+        </p:sp>
+        <p:sp>
+          <p:nvSpPr>
+            <p:cNvPr id="60" name="Rectangle 59"/>
+            <p:cNvSpPr/>
+            <p:nvPr/>
+          </p:nvSpPr>
+          <p:spPr>
+            <a:xfrm>
+              <a:off x="6738031" y="5615638"/>
+              <a:ext cx="1948769" cy="874876"/>
+            </a:xfrm>
+            <a:prstGeom prst="rect">
+              <a:avLst/>
+            </a:prstGeom>
+            <a:noFill/>
+          </p:spPr>
+          <p:style>
+            <a:lnRef idx="2">
+              <a:schemeClr val="accent1">
+                <a:shade val="50000"/>
+              </a:schemeClr>
+            </a:lnRef>
+            <a:fillRef idx="1">
+              <a:schemeClr val="accent1"/>
+            </a:fillRef>
+            <a:effectRef idx="0">
+              <a:schemeClr val="accent1"/>
+            </a:effectRef>
+            <a:fontRef idx="minor">
+              <a:schemeClr val="lt1"/>
+            </a:fontRef>
+          </p:style>
+          <p:txBody>
+            <a:bodyPr rtlCol="0" anchor="ctr"/>
+            <a:lstStyle/>
+            <a:p>
+              <a:pPr algn="ctr"/>
+              <a:endParaRPr lang="en-US"/>
+            </a:p>
+          </p:txBody>
+        </p:sp>
+      </p:grpSp>
     </p:spTree>
     <p:extLst>
       <p:ext uri="{BB962C8B-B14F-4D97-AF65-F5344CB8AC3E}">
@@ -20283,9 +22299,261 @@
   <p:timing>
     <p:tnLst>
       <p:par>
-        <p:cTn id="1" dur="indefinite" restart="never" nodeType="tmRoot"/>
+        <p:cTn id="1" dur="indefinite" restart="never" nodeType="tmRoot">
+          <p:childTnLst>
+            <p:seq concurrent="1" nextAc="seek">
+              <p:cTn id="2" dur="indefinite" nodeType="mainSeq">
+                <p:childTnLst>
+                  <p:par>
+                    <p:cTn id="3" fill="hold">
+                      <p:stCondLst>
+                        <p:cond delay="indefinite"/>
+                      </p:stCondLst>
+                      <p:childTnLst>
+                        <p:par>
+                          <p:cTn id="4" fill="hold">
+                            <p:stCondLst>
+                              <p:cond delay="0"/>
+                            </p:stCondLst>
+                            <p:childTnLst>
+                              <p:par>
+                                <p:cTn id="5" presetID="1" presetClass="entr" presetSubtype="0" fill="hold" nodeType="clickEffect">
+                                  <p:stCondLst>
+                                    <p:cond delay="0"/>
+                                  </p:stCondLst>
+                                  <p:childTnLst>
+                                    <p:set>
+                                      <p:cBhvr>
+                                        <p:cTn id="6" dur="1" fill="hold">
+                                          <p:stCondLst>
+                                            <p:cond delay="0"/>
+                                          </p:stCondLst>
+                                        </p:cTn>
+                                        <p:tgtEl>
+                                          <p:spTgt spid="9"/>
+                                        </p:tgtEl>
+                                        <p:attrNameLst>
+                                          <p:attrName>style.visibility</p:attrName>
+                                        </p:attrNameLst>
+                                      </p:cBhvr>
+                                      <p:to>
+                                        <p:strVal val="visible"/>
+                                      </p:to>
+                                    </p:set>
+                                  </p:childTnLst>
+                                </p:cTn>
+                              </p:par>
+                            </p:childTnLst>
+                          </p:cTn>
+                        </p:par>
+                      </p:childTnLst>
+                    </p:cTn>
+                  </p:par>
+                  <p:par>
+                    <p:cTn id="7" fill="hold">
+                      <p:stCondLst>
+                        <p:cond delay="indefinite"/>
+                      </p:stCondLst>
+                      <p:childTnLst>
+                        <p:par>
+                          <p:cTn id="8" fill="hold">
+                            <p:stCondLst>
+                              <p:cond delay="0"/>
+                            </p:stCondLst>
+                            <p:childTnLst>
+                              <p:par>
+                                <p:cTn id="9" presetID="1" presetClass="entr" presetSubtype="0" fill="hold" nodeType="clickEffect">
+                                  <p:stCondLst>
+                                    <p:cond delay="0"/>
+                                  </p:stCondLst>
+                                  <p:childTnLst>
+                                    <p:set>
+                                      <p:cBhvr>
+                                        <p:cTn id="10" dur="1" fill="hold">
+                                          <p:stCondLst>
+                                            <p:cond delay="0"/>
+                                          </p:stCondLst>
+                                        </p:cTn>
+                                        <p:tgtEl>
+                                          <p:spTgt spid="14"/>
+                                        </p:tgtEl>
+                                        <p:attrNameLst>
+                                          <p:attrName>style.visibility</p:attrName>
+                                        </p:attrNameLst>
+                                      </p:cBhvr>
+                                      <p:to>
+                                        <p:strVal val="visible"/>
+                                      </p:to>
+                                    </p:set>
+                                  </p:childTnLst>
+                                </p:cTn>
+                              </p:par>
+                            </p:childTnLst>
+                          </p:cTn>
+                        </p:par>
+                      </p:childTnLst>
+                    </p:cTn>
+                  </p:par>
+                  <p:par>
+                    <p:cTn id="11" fill="hold">
+                      <p:stCondLst>
+                        <p:cond delay="indefinite"/>
+                      </p:stCondLst>
+                      <p:childTnLst>
+                        <p:par>
+                          <p:cTn id="12" fill="hold">
+                            <p:stCondLst>
+                              <p:cond delay="0"/>
+                            </p:stCondLst>
+                            <p:childTnLst>
+                              <p:par>
+                                <p:cTn id="13" presetID="1" presetClass="entr" presetSubtype="0" fill="hold" nodeType="clickEffect">
+                                  <p:stCondLst>
+                                    <p:cond delay="0"/>
+                                  </p:stCondLst>
+                                  <p:childTnLst>
+                                    <p:set>
+                                      <p:cBhvr>
+                                        <p:cTn id="14" dur="1" fill="hold">
+                                          <p:stCondLst>
+                                            <p:cond delay="0"/>
+                                          </p:stCondLst>
+                                        </p:cTn>
+                                        <p:tgtEl>
+                                          <p:spTgt spid="24"/>
+                                        </p:tgtEl>
+                                        <p:attrNameLst>
+                                          <p:attrName>style.visibility</p:attrName>
+                                        </p:attrNameLst>
+                                      </p:cBhvr>
+                                      <p:to>
+                                        <p:strVal val="visible"/>
+                                      </p:to>
+                                    </p:set>
+                                  </p:childTnLst>
+                                </p:cTn>
+                              </p:par>
+                            </p:childTnLst>
+                          </p:cTn>
+                        </p:par>
+                      </p:childTnLst>
+                    </p:cTn>
+                  </p:par>
+                  <p:par>
+                    <p:cTn id="15" fill="hold">
+                      <p:stCondLst>
+                        <p:cond delay="indefinite"/>
+                      </p:stCondLst>
+                      <p:childTnLst>
+                        <p:par>
+                          <p:cTn id="16" fill="hold">
+                            <p:stCondLst>
+                              <p:cond delay="0"/>
+                            </p:stCondLst>
+                            <p:childTnLst>
+                              <p:par>
+                                <p:cTn id="17" presetID="1" presetClass="entr" presetSubtype="0" fill="hold" grpId="0" nodeType="clickEffect">
+                                  <p:stCondLst>
+                                    <p:cond delay="0"/>
+                                  </p:stCondLst>
+                                  <p:childTnLst>
+                                    <p:set>
+                                      <p:cBhvr>
+                                        <p:cTn id="18" dur="1" fill="hold">
+                                          <p:stCondLst>
+                                            <p:cond delay="0"/>
+                                          </p:stCondLst>
+                                        </p:cTn>
+                                        <p:tgtEl>
+                                          <p:spTgt spid="53"/>
+                                        </p:tgtEl>
+                                        <p:attrNameLst>
+                                          <p:attrName>style.visibility</p:attrName>
+                                        </p:attrNameLst>
+                                      </p:cBhvr>
+                                      <p:to>
+                                        <p:strVal val="visible"/>
+                                      </p:to>
+                                    </p:set>
+                                  </p:childTnLst>
+                                </p:cTn>
+                              </p:par>
+                            </p:childTnLst>
+                          </p:cTn>
+                        </p:par>
+                      </p:childTnLst>
+                    </p:cTn>
+                  </p:par>
+                  <p:par>
+                    <p:cTn id="19" fill="hold">
+                      <p:stCondLst>
+                        <p:cond delay="indefinite"/>
+                      </p:stCondLst>
+                      <p:childTnLst>
+                        <p:par>
+                          <p:cTn id="20" fill="hold">
+                            <p:stCondLst>
+                              <p:cond delay="0"/>
+                            </p:stCondLst>
+                            <p:childTnLst>
+                              <p:par>
+                                <p:cTn id="21" presetID="1" presetClass="entr" presetSubtype="0" fill="hold" grpId="0" nodeType="clickEffect">
+                                  <p:stCondLst>
+                                    <p:cond delay="0"/>
+                                  </p:stCondLst>
+                                  <p:childTnLst>
+                                    <p:set>
+                                      <p:cBhvr>
+                                        <p:cTn id="22" dur="1" fill="hold">
+                                          <p:stCondLst>
+                                            <p:cond delay="0"/>
+                                          </p:stCondLst>
+                                        </p:cTn>
+                                        <p:tgtEl>
+                                          <p:spTgt spid="54"/>
+                                        </p:tgtEl>
+                                        <p:attrNameLst>
+                                          <p:attrName>style.visibility</p:attrName>
+                                        </p:attrNameLst>
+                                      </p:cBhvr>
+                                      <p:to>
+                                        <p:strVal val="visible"/>
+                                      </p:to>
+                                    </p:set>
+                                  </p:childTnLst>
+                                </p:cTn>
+                              </p:par>
+                            </p:childTnLst>
+                          </p:cTn>
+                        </p:par>
+                      </p:childTnLst>
+                    </p:cTn>
+                  </p:par>
+                </p:childTnLst>
+              </p:cTn>
+              <p:prevCondLst>
+                <p:cond evt="onPrev" delay="0">
+                  <p:tgtEl>
+                    <p:sldTgt/>
+                  </p:tgtEl>
+                </p:cond>
+              </p:prevCondLst>
+              <p:nextCondLst>
+                <p:cond evt="onNext" delay="0">
+                  <p:tgtEl>
+                    <p:sldTgt/>
+                  </p:tgtEl>
+                </p:cond>
+              </p:nextCondLst>
+            </p:seq>
+          </p:childTnLst>
+        </p:cTn>
       </p:par>
     </p:tnLst>
+    <p:bldLst>
+      <p:bldP spid="53" grpId="0"/>
+      <p:bldP spid="54" grpId="0"/>
+    </p:bldLst>
   </p:timing>
 </p:sld>
 </file>
@@ -22766,367 +25034,7 @@
                                           </p:stCondLst>
                                         </p:cTn>
                                         <p:tgtEl>
-                                          <p:spTgt spid="3"/>
-                                        </p:tgtEl>
-                                        <p:attrNameLst>
-                                          <p:attrName>style.visibility</p:attrName>
-                                        </p:attrNameLst>
-                                      </p:cBhvr>
-                                      <p:to>
-                                        <p:strVal val="visible"/>
-                                      </p:to>
-                                    </p:set>
-                                  </p:childTnLst>
-                                </p:cTn>
-                              </p:par>
-                            </p:childTnLst>
-                          </p:cTn>
-                        </p:par>
-                      </p:childTnLst>
-                    </p:cTn>
-                  </p:par>
-                  <p:par>
-                    <p:cTn id="7" fill="hold">
-                      <p:stCondLst>
-                        <p:cond delay="indefinite"/>
-                      </p:stCondLst>
-                      <p:childTnLst>
-                        <p:par>
-                          <p:cTn id="8" fill="hold">
-                            <p:stCondLst>
-                              <p:cond delay="0"/>
-                            </p:stCondLst>
-                            <p:childTnLst>
-                              <p:par>
-                                <p:cTn id="9" presetID="1" presetClass="entr" presetSubtype="0" fill="hold" grpId="0" nodeType="clickEffect">
-                                  <p:stCondLst>
-                                    <p:cond delay="0"/>
-                                  </p:stCondLst>
-                                  <p:childTnLst>
-                                    <p:set>
-                                      <p:cBhvr>
-                                        <p:cTn id="10" dur="1" fill="hold">
-                                          <p:stCondLst>
-                                            <p:cond delay="0"/>
-                                          </p:stCondLst>
-                                        </p:cTn>
-                                        <p:tgtEl>
-                                          <p:spTgt spid="838696"/>
-                                        </p:tgtEl>
-                                        <p:attrNameLst>
-                                          <p:attrName>style.visibility</p:attrName>
-                                        </p:attrNameLst>
-                                      </p:cBhvr>
-                                      <p:to>
-                                        <p:strVal val="visible"/>
-                                      </p:to>
-                                    </p:set>
-                                  </p:childTnLst>
-                                </p:cTn>
-                              </p:par>
-                            </p:childTnLst>
-                          </p:cTn>
-                        </p:par>
-                      </p:childTnLst>
-                    </p:cTn>
-                  </p:par>
-                  <p:par>
-                    <p:cTn id="11" fill="hold">
-                      <p:stCondLst>
-                        <p:cond delay="indefinite"/>
-                      </p:stCondLst>
-                      <p:childTnLst>
-                        <p:par>
-                          <p:cTn id="12" fill="hold">
-                            <p:stCondLst>
-                              <p:cond delay="0"/>
-                            </p:stCondLst>
-                            <p:childTnLst>
-                              <p:par>
-                                <p:cTn id="13" presetID="1" presetClass="entr" presetSubtype="0" fill="hold" grpId="0" nodeType="clickEffect">
-                                  <p:stCondLst>
-                                    <p:cond delay="0"/>
-                                  </p:stCondLst>
-                                  <p:childTnLst>
-                                    <p:set>
-                                      <p:cBhvr>
-                                        <p:cTn id="14" dur="1" fill="hold">
-                                          <p:stCondLst>
-                                            <p:cond delay="0"/>
-                                          </p:stCondLst>
-                                        </p:cTn>
-                                        <p:tgtEl>
-                                          <p:spTgt spid="43"/>
-                                        </p:tgtEl>
-                                        <p:attrNameLst>
-                                          <p:attrName>style.visibility</p:attrName>
-                                        </p:attrNameLst>
-                                      </p:cBhvr>
-                                      <p:to>
-                                        <p:strVal val="visible"/>
-                                      </p:to>
-                                    </p:set>
-                                  </p:childTnLst>
-                                </p:cTn>
-                              </p:par>
-                            </p:childTnLst>
-                          </p:cTn>
-                        </p:par>
-                      </p:childTnLst>
-                    </p:cTn>
-                  </p:par>
-                  <p:par>
-                    <p:cTn id="15" fill="hold">
-                      <p:stCondLst>
-                        <p:cond delay="indefinite"/>
-                      </p:stCondLst>
-                      <p:childTnLst>
-                        <p:par>
-                          <p:cTn id="16" fill="hold">
-                            <p:stCondLst>
-                              <p:cond delay="0"/>
-                            </p:stCondLst>
-                            <p:childTnLst>
-                              <p:par>
-                                <p:cTn id="17" presetID="1" presetClass="entr" presetSubtype="0" fill="hold" nodeType="clickEffect">
-                                  <p:stCondLst>
-                                    <p:cond delay="0"/>
-                                  </p:stCondLst>
-                                  <p:childTnLst>
-                                    <p:set>
-                                      <p:cBhvr>
-                                        <p:cTn id="18" dur="1" fill="hold">
-                                          <p:stCondLst>
-                                            <p:cond delay="0"/>
-                                          </p:stCondLst>
-                                        </p:cTn>
-                                        <p:tgtEl>
-                                          <p:spTgt spid="4"/>
-                                        </p:tgtEl>
-                                        <p:attrNameLst>
-                                          <p:attrName>style.visibility</p:attrName>
-                                        </p:attrNameLst>
-                                      </p:cBhvr>
-                                      <p:to>
-                                        <p:strVal val="visible"/>
-                                      </p:to>
-                                    </p:set>
-                                  </p:childTnLst>
-                                </p:cTn>
-                              </p:par>
-                            </p:childTnLst>
-                          </p:cTn>
-                        </p:par>
-                      </p:childTnLst>
-                    </p:cTn>
-                  </p:par>
-                  <p:par>
-                    <p:cTn id="19" fill="hold">
-                      <p:stCondLst>
-                        <p:cond delay="indefinite"/>
-                      </p:stCondLst>
-                      <p:childTnLst>
-                        <p:par>
-                          <p:cTn id="20" fill="hold">
-                            <p:stCondLst>
-                              <p:cond delay="0"/>
-                            </p:stCondLst>
-                            <p:childTnLst>
-                              <p:par>
-                                <p:cTn id="21" presetID="1" presetClass="entr" presetSubtype="0" fill="hold" grpId="0" nodeType="clickEffect">
-                                  <p:stCondLst>
-                                    <p:cond delay="0"/>
-                                  </p:stCondLst>
-                                  <p:childTnLst>
-                                    <p:set>
-                                      <p:cBhvr>
-                                        <p:cTn id="22" dur="1" fill="hold">
-                                          <p:stCondLst>
-                                            <p:cond delay="0"/>
-                                          </p:stCondLst>
-                                        </p:cTn>
-                                        <p:tgtEl>
-                                          <p:spTgt spid="838694"/>
-                                        </p:tgtEl>
-                                        <p:attrNameLst>
-                                          <p:attrName>style.visibility</p:attrName>
-                                        </p:attrNameLst>
-                                      </p:cBhvr>
-                                      <p:to>
-                                        <p:strVal val="visible"/>
-                                      </p:to>
-                                    </p:set>
-                                  </p:childTnLst>
-                                </p:cTn>
-                              </p:par>
-                            </p:childTnLst>
-                          </p:cTn>
-                        </p:par>
-                      </p:childTnLst>
-                    </p:cTn>
-                  </p:par>
-                  <p:par>
-                    <p:cTn id="23" fill="hold">
-                      <p:stCondLst>
-                        <p:cond delay="indefinite"/>
-                      </p:stCondLst>
-                      <p:childTnLst>
-                        <p:par>
-                          <p:cTn id="24" fill="hold">
-                            <p:stCondLst>
-                              <p:cond delay="0"/>
-                            </p:stCondLst>
-                            <p:childTnLst>
-                              <p:par>
-                                <p:cTn id="25" presetID="1" presetClass="entr" presetSubtype="0" fill="hold" grpId="0" nodeType="clickEffect">
-                                  <p:stCondLst>
-                                    <p:cond delay="0"/>
-                                  </p:stCondLst>
-                                  <p:childTnLst>
-                                    <p:set>
-                                      <p:cBhvr>
-                                        <p:cTn id="26" dur="1" fill="hold">
-                                          <p:stCondLst>
-                                            <p:cond delay="0"/>
-                                          </p:stCondLst>
-                                        </p:cTn>
-                                        <p:tgtEl>
-                                          <p:spTgt spid="2"/>
-                                        </p:tgtEl>
-                                        <p:attrNameLst>
-                                          <p:attrName>style.visibility</p:attrName>
-                                        </p:attrNameLst>
-                                      </p:cBhvr>
-                                      <p:to>
-                                        <p:strVal val="visible"/>
-                                      </p:to>
-                                    </p:set>
-                                  </p:childTnLst>
-                                </p:cTn>
-                              </p:par>
-                            </p:childTnLst>
-                          </p:cTn>
-                        </p:par>
-                      </p:childTnLst>
-                    </p:cTn>
-                  </p:par>
-                  <p:par>
-                    <p:cTn id="27" fill="hold">
-                      <p:stCondLst>
-                        <p:cond delay="indefinite"/>
-                      </p:stCondLst>
-                      <p:childTnLst>
-                        <p:par>
-                          <p:cTn id="28" fill="hold">
-                            <p:stCondLst>
-                              <p:cond delay="0"/>
-                            </p:stCondLst>
-                            <p:childTnLst>
-                              <p:par>
-                                <p:cTn id="29" presetID="1" presetClass="entr" presetSubtype="0" fill="hold" nodeType="clickEffect">
-                                  <p:stCondLst>
-                                    <p:cond delay="0"/>
-                                  </p:stCondLst>
-                                  <p:childTnLst>
-                                    <p:set>
-                                      <p:cBhvr>
-                                        <p:cTn id="30" dur="1" fill="hold">
-                                          <p:stCondLst>
-                                            <p:cond delay="0"/>
-                                          </p:stCondLst>
-                                        </p:cTn>
-                                        <p:tgtEl>
-                                          <p:spTgt spid="5"/>
-                                        </p:tgtEl>
-                                        <p:attrNameLst>
-                                          <p:attrName>style.visibility</p:attrName>
-                                        </p:attrNameLst>
-                                      </p:cBhvr>
-                                      <p:to>
-                                        <p:strVal val="visible"/>
-                                      </p:to>
-                                    </p:set>
-                                  </p:childTnLst>
-                                </p:cTn>
-                              </p:par>
-                            </p:childTnLst>
-                          </p:cTn>
-                        </p:par>
-                      </p:childTnLst>
-                    </p:cTn>
-                  </p:par>
-                  <p:par>
-                    <p:cTn id="31" fill="hold">
-                      <p:stCondLst>
-                        <p:cond delay="indefinite"/>
-                      </p:stCondLst>
-                      <p:childTnLst>
-                        <p:par>
-                          <p:cTn id="32" fill="hold">
-                            <p:stCondLst>
-                              <p:cond delay="0"/>
-                            </p:stCondLst>
-                            <p:childTnLst>
-                              <p:par>
-                                <p:cTn id="33" presetID="1" presetClass="entr" presetSubtype="0" fill="hold" grpId="0" nodeType="clickEffect">
-                                  <p:stCondLst>
-                                    <p:cond delay="0"/>
-                                  </p:stCondLst>
-                                  <p:childTnLst>
-                                    <p:set>
-                                      <p:cBhvr>
-                                        <p:cTn id="34" dur="1" fill="hold">
-                                          <p:stCondLst>
-                                            <p:cond delay="0"/>
-                                          </p:stCondLst>
-                                        </p:cTn>
-                                        <p:tgtEl>
-                                          <p:spTgt spid="838695"/>
-                                        </p:tgtEl>
-                                        <p:attrNameLst>
-                                          <p:attrName>style.visibility</p:attrName>
-                                        </p:attrNameLst>
-                                      </p:cBhvr>
-                                      <p:to>
-                                        <p:strVal val="visible"/>
-                                      </p:to>
-                                    </p:set>
-                                  </p:childTnLst>
-                                </p:cTn>
-                              </p:par>
-                            </p:childTnLst>
-                          </p:cTn>
-                        </p:par>
-                      </p:childTnLst>
-                    </p:cTn>
-                  </p:par>
-                  <p:par>
-                    <p:cTn id="35" fill="hold">
-                      <p:stCondLst>
-                        <p:cond delay="indefinite"/>
-                      </p:stCondLst>
-                      <p:childTnLst>
-                        <p:par>
-                          <p:cTn id="36" fill="hold">
-                            <p:stCondLst>
-                              <p:cond delay="0"/>
-                            </p:stCondLst>
-                            <p:childTnLst>
-                              <p:par>
-                                <p:cTn id="37" presetID="1" presetClass="entr" presetSubtype="0" fill="hold" grpId="0" nodeType="clickEffect">
-                                  <p:stCondLst>
-                                    <p:cond delay="0"/>
-                                  </p:stCondLst>
-                                  <p:childTnLst>
-                                    <p:set>
-                                      <p:cBhvr>
-                                        <p:cTn id="38" dur="1" fill="hold">
-                                          <p:stCondLst>
-                                            <p:cond delay="0"/>
-                                          </p:stCondLst>
-                                        </p:cTn>
-                                        <p:tgtEl>
-                                          <p:spTgt spid="44"/>
+                                          <p:spTgt spid="12"/>
                                         </p:tgtEl>
                                         <p:attrNameLst>
                                           <p:attrName>style.visibility</p:attrName>
@@ -23166,14 +25074,6 @@
         </p:cTn>
       </p:par>
     </p:tnLst>
-    <p:bldLst>
-      <p:bldP spid="838694" grpId="0"/>
-      <p:bldP spid="838695" grpId="0"/>
-      <p:bldP spid="838696" grpId="0"/>
-      <p:bldP spid="2" grpId="0"/>
-      <p:bldP spid="43" grpId="0"/>
-      <p:bldP spid="44" grpId="0"/>
-    </p:bldLst>
   </p:timing>
 </p:sld>
 </file>

--- a/_site/docs/TextClustering.pptx
+++ b/_site/docs/TextClustering.pptx
@@ -227,7 +227,7 @@
           <a:p>
             <a:fld id="{66D9E24F-29FD-47C1-8E5F-039692CFCF72}" type="datetimeFigureOut">
               <a:rPr lang="en-US" smtClean="0"/>
-              <a:t>4/15/2015</a:t>
+              <a:t>4/20/2015</a:t>
             </a:fld>
             <a:endParaRPr lang="en-US"/>
           </a:p>
@@ -6235,6 +6235,131 @@
           </a:p>
         </p:txBody>
       </p:sp>
+      <p:grpSp>
+        <p:nvGrpSpPr>
+          <p:cNvPr id="12" name="Group 11"/>
+          <p:cNvGrpSpPr/>
+          <p:nvPr/>
+        </p:nvGrpSpPr>
+        <p:grpSpPr>
+          <a:xfrm>
+            <a:off x="5436974" y="5016843"/>
+            <a:ext cx="3805881" cy="385808"/>
+            <a:chOff x="5404022" y="5025081"/>
+            <a:chExt cx="3805881" cy="385808"/>
+          </a:xfrm>
+        </p:grpSpPr>
+        <p:sp>
+          <p:nvSpPr>
+            <p:cNvPr id="7" name="TextBox 6"/>
+            <p:cNvSpPr txBox="1"/>
+            <p:nvPr/>
+          </p:nvSpPr>
+          <p:spPr>
+            <a:xfrm>
+              <a:off x="5766487" y="5025081"/>
+              <a:ext cx="3443416" cy="369332"/>
+            </a:xfrm>
+            <a:prstGeom prst="rect">
+              <a:avLst/>
+            </a:prstGeom>
+            <a:noFill/>
+          </p:spPr>
+          <p:txBody>
+            <a:bodyPr wrap="square" rtlCol="0">
+              <a:spAutoFit/>
+            </a:bodyPr>
+            <a:lstStyle/>
+            <a:p>
+              <a:r>
+                <a:rPr lang="en-US" dirty="0" smtClean="0">
+                  <a:solidFill>
+                    <a:srgbClr val="FF0000"/>
+                  </a:solidFill>
+                </a:rPr>
+                <a:t>Lexicon or distributional semantics</a:t>
+              </a:r>
+              <a:endParaRPr lang="en-US" dirty="0">
+                <a:solidFill>
+                  <a:srgbClr val="FF0000"/>
+                </a:solidFill>
+              </a:endParaRPr>
+            </a:p>
+          </p:txBody>
+        </p:sp>
+        <p:cxnSp>
+          <p:nvCxnSpPr>
+            <p:cNvPr id="9" name="Straight Arrow Connector 8"/>
+            <p:cNvCxnSpPr/>
+            <p:nvPr/>
+          </p:nvCxnSpPr>
+          <p:spPr>
+            <a:xfrm>
+              <a:off x="5404022" y="5058032"/>
+              <a:ext cx="354227" cy="98854"/>
+            </a:xfrm>
+            <a:prstGeom prst="straightConnector1">
+              <a:avLst/>
+            </a:prstGeom>
+            <a:ln>
+              <a:solidFill>
+                <a:srgbClr val="FF0000"/>
+              </a:solidFill>
+              <a:tailEnd type="triangle"/>
+            </a:ln>
+          </p:spPr>
+          <p:style>
+            <a:lnRef idx="1">
+              <a:schemeClr val="accent1"/>
+            </a:lnRef>
+            <a:fillRef idx="0">
+              <a:schemeClr val="accent1"/>
+            </a:fillRef>
+            <a:effectRef idx="0">
+              <a:schemeClr val="accent1"/>
+            </a:effectRef>
+            <a:fontRef idx="minor">
+              <a:schemeClr val="tx1"/>
+            </a:fontRef>
+          </p:style>
+        </p:cxnSp>
+        <p:cxnSp>
+          <p:nvCxnSpPr>
+            <p:cNvPr id="10" name="Straight Arrow Connector 9"/>
+            <p:cNvCxnSpPr/>
+            <p:nvPr/>
+          </p:nvCxnSpPr>
+          <p:spPr>
+            <a:xfrm flipV="1">
+              <a:off x="5412260" y="5270180"/>
+              <a:ext cx="345989" cy="140709"/>
+            </a:xfrm>
+            <a:prstGeom prst="straightConnector1">
+              <a:avLst/>
+            </a:prstGeom>
+            <a:ln>
+              <a:solidFill>
+                <a:srgbClr val="FF0000"/>
+              </a:solidFill>
+              <a:tailEnd type="triangle"/>
+            </a:ln>
+          </p:spPr>
+          <p:style>
+            <a:lnRef idx="1">
+              <a:schemeClr val="accent1"/>
+            </a:lnRef>
+            <a:fillRef idx="0">
+              <a:schemeClr val="accent1"/>
+            </a:fillRef>
+            <a:effectRef idx="0">
+              <a:schemeClr val="accent1"/>
+            </a:effectRef>
+            <a:fontRef idx="minor">
+              <a:schemeClr val="tx1"/>
+            </a:fontRef>
+          </p:style>
+        </p:cxnSp>
+      </p:grpSp>
     </p:spTree>
     <p:extLst>
       <p:ext uri="{BB962C8B-B14F-4D97-AF65-F5344CB8AC3E}">
@@ -6248,7 +6373,75 @@
   <p:timing>
     <p:tnLst>
       <p:par>
-        <p:cTn id="1" dur="indefinite" restart="never" nodeType="tmRoot"/>
+        <p:cTn id="1" dur="indefinite" restart="never" nodeType="tmRoot">
+          <p:childTnLst>
+            <p:seq concurrent="1" nextAc="seek">
+              <p:cTn id="2" dur="indefinite" nodeType="mainSeq">
+                <p:childTnLst>
+                  <p:par>
+                    <p:cTn id="3" fill="hold">
+                      <p:stCondLst>
+                        <p:cond delay="indefinite"/>
+                      </p:stCondLst>
+                      <p:childTnLst>
+                        <p:par>
+                          <p:cTn id="4" fill="hold">
+                            <p:stCondLst>
+                              <p:cond delay="0"/>
+                            </p:stCondLst>
+                            <p:childTnLst>
+                              <p:par>
+                                <p:cTn id="5" presetID="1" presetClass="entr" presetSubtype="0" fill="hold" nodeType="clickEffect">
+                                  <p:stCondLst>
+                                    <p:cond delay="0"/>
+                                  </p:stCondLst>
+                                  <p:childTnLst>
+                                    <p:set>
+                                      <p:cBhvr>
+                                        <p:cTn id="6" dur="1" fill="hold">
+                                          <p:stCondLst>
+                                            <p:cond delay="0"/>
+                                          </p:stCondLst>
+                                        </p:cTn>
+                                        <p:tgtEl>
+                                          <p:spTgt spid="12"/>
+                                        </p:tgtEl>
+                                        <p:attrNameLst>
+                                          <p:attrName>style.visibility</p:attrName>
+                                        </p:attrNameLst>
+                                      </p:cBhvr>
+                                      <p:to>
+                                        <p:strVal val="visible"/>
+                                      </p:to>
+                                    </p:set>
+                                  </p:childTnLst>
+                                </p:cTn>
+                              </p:par>
+                            </p:childTnLst>
+                          </p:cTn>
+                        </p:par>
+                      </p:childTnLst>
+                    </p:cTn>
+                  </p:par>
+                </p:childTnLst>
+              </p:cTn>
+              <p:prevCondLst>
+                <p:cond evt="onPrev" delay="0">
+                  <p:tgtEl>
+                    <p:sldTgt/>
+                  </p:tgtEl>
+                </p:cond>
+              </p:prevCondLst>
+              <p:nextCondLst>
+                <p:cond evt="onNext" delay="0">
+                  <p:tgtEl>
+                    <p:sldTgt/>
+                  </p:tgtEl>
+                </p:cond>
+              </p:nextCondLst>
+            </p:seq>
+          </p:childTnLst>
+        </p:cTn>
       </p:par>
     </p:tnLst>
   </p:timing>
@@ -6818,8 +7011,12 @@
           <a:p>
             <a:pPr lvl="1"/>
             <a:r>
+              <a:rPr lang="en-US" i="1" dirty="0" smtClean="0"/>
+              <a:t>k</a:t>
+            </a:r>
+            <a:r>
               <a:rPr lang="en-US" dirty="0" smtClean="0"/>
-              <a:t>k-means clustering</a:t>
+              <a:t>-means clustering</a:t>
             </a:r>
           </a:p>
           <a:p>
@@ -6994,8 +7191,12 @@
           <a:p>
             <a:pPr lvl="1"/>
             <a:r>
+              <a:rPr lang="en-US" i="1" dirty="0" smtClean="0"/>
+              <a:t>k</a:t>
+            </a:r>
+            <a:r>
               <a:rPr lang="en-US" dirty="0" smtClean="0"/>
-              <a:t>k-means clustering</a:t>
+              <a:t>-means clustering</a:t>
             </a:r>
           </a:p>
           <a:p>
@@ -8841,7 +9042,11 @@
             <a:pPr lvl="1"/>
             <a:r>
               <a:rPr lang="en-US" dirty="0" smtClean="0"/>
-              <a:t>No assumption about input data</a:t>
+              <a:t>No/less </a:t>
+            </a:r>
+            <a:r>
+              <a:rPr lang="en-US" dirty="0" smtClean="0"/>
+              <a:t>assumption about input data</a:t>
             </a:r>
           </a:p>
           <a:p>
@@ -20671,25 +20876,7 @@
               <a:rPr lang="en-US" altLang="ja-JP" b="0" dirty="0" smtClean="0">
                 <a:ea typeface="ＭＳ Ｐゴシック" panose="020B0600070205080204" pitchFamily="34" charset="-128"/>
               </a:rPr>
-              <a:t>Clustering - </a:t>
-            </a:r>
-            <a:r>
-              <a:rPr lang="en-US" altLang="ja-JP" b="0" dirty="0" smtClean="0">
-                <a:ea typeface="ＭＳ Ｐゴシック" panose="020B0600070205080204" pitchFamily="34" charset="-128"/>
-              </a:rPr>
-              <a:t>the process of grouping a set of objects into </a:t>
-            </a:r>
-            <a:r>
-              <a:rPr lang="en-US" altLang="ja-JP" b="0" dirty="0" smtClean="0">
-                <a:ea typeface="ＭＳ Ｐゴシック" panose="020B0600070205080204" pitchFamily="34" charset="-128"/>
-              </a:rPr>
-              <a:t>clusters of </a:t>
-            </a:r>
-            <a:r>
-              <a:rPr lang="en-US" altLang="ja-JP" b="0" dirty="0" smtClean="0">
-                <a:ea typeface="ＭＳ Ｐゴシック" panose="020B0600070205080204" pitchFamily="34" charset="-128"/>
-              </a:rPr>
-              <a:t>similar objects</a:t>
+              <a:t>Clustering - the process of grouping a set of objects into clusters of similar objects</a:t>
             </a:r>
           </a:p>
           <a:p>
@@ -21513,11 +21700,7 @@
             <a:p>
               <a:r>
                 <a:rPr lang="en-US" dirty="0" smtClean="0"/>
-                <a:t>group by </a:t>
-              </a:r>
-              <a:r>
-                <a:rPr lang="en-US" dirty="0" smtClean="0"/>
-                <a:t>gender</a:t>
+                <a:t>group by gender</a:t>
               </a:r>
               <a:endParaRPr lang="en-US" dirty="0"/>
             </a:p>
@@ -21812,11 +21995,7 @@
             <a:p>
               <a:r>
                 <a:rPr lang="en-US" dirty="0" smtClean="0"/>
-                <a:t>group by </a:t>
-              </a:r>
-              <a:r>
-                <a:rPr lang="en-US" dirty="0" smtClean="0"/>
-                <a:t>source of ability</a:t>
+                <a:t>group by source of ability</a:t>
               </a:r>
               <a:endParaRPr lang="en-US" dirty="0"/>
             </a:p>
@@ -22145,11 +22324,7 @@
             <a:p>
               <a:r>
                 <a:rPr lang="en-US" dirty="0" smtClean="0"/>
-                <a:t>group by </a:t>
-              </a:r>
-              <a:r>
-                <a:rPr lang="en-US" dirty="0" smtClean="0"/>
-                <a:t>costume</a:t>
+                <a:t>group by costume</a:t>
               </a:r>
               <a:endParaRPr lang="en-US" dirty="0"/>
             </a:p>
